--- a/make_presentation/templates/templates/classic/_38.pptx
+++ b/make_presentation/templates/templates/classic/_38.pptx
@@ -329,7 +329,7 @@
             <a:pPr algn="r">
               <a:buNone/>
             </a:pPr>
-            <a:fld id="{9749E668-D4CD-44C3-A211-1339B6F47ACD}" type="slidenum">
+            <a:fld id="{6B688C23-6C51-4CB3-B403-89F46526E49A}" type="slidenum">
               <a:rPr b="0" lang="en-US" sz="1400" spc="-1" strike="noStrike">
                 <a:latin typeface="Times New Roman"/>
               </a:rPr>
@@ -377,7 +377,7 @@
         <p:spPr>
           <a:xfrm>
             <a:off x="380880" y="685800"/>
-            <a:ext cx="6090840" cy="3423960"/>
+            <a:ext cx="6090480" cy="3423600"/>
           </a:xfrm>
           <a:prstGeom prst="rect">
             <a:avLst/>
@@ -400,7 +400,7 @@
         <p:spPr>
           <a:xfrm>
             <a:off x="685800" y="4343400"/>
-            <a:ext cx="5481360" cy="4109760"/>
+            <a:ext cx="5481000" cy="4109400"/>
           </a:xfrm>
           <a:prstGeom prst="rect">
             <a:avLst/>
@@ -434,7 +434,7 @@
         <p:spPr>
           <a:xfrm>
             <a:off x="3884760" y="8685360"/>
-            <a:ext cx="2966760" cy="452160"/>
+            <a:ext cx="2966400" cy="451800"/>
           </a:xfrm>
           <a:prstGeom prst="rect">
             <a:avLst/>
@@ -470,7 +470,7 @@
               </a:lnSpc>
               <a:buNone/>
             </a:pPr>
-            <a:fld id="{190C73AB-71BA-4E64-B1BA-EA7E230048EB}" type="slidenum">
+            <a:fld id="{40115582-98DF-4A70-AB0D-8436C94C61F6}" type="slidenum">
               <a:rPr b="0" lang="en-US" sz="1200" spc="-1" strike="noStrike">
                 <a:solidFill>
                   <a:srgbClr val="000000"/>
@@ -521,7 +521,7 @@
         <p:spPr>
           <a:xfrm>
             <a:off x="380880" y="685800"/>
-            <a:ext cx="6090840" cy="3423960"/>
+            <a:ext cx="6090480" cy="3423600"/>
           </a:xfrm>
           <a:prstGeom prst="rect">
             <a:avLst/>
@@ -544,7 +544,7 @@
         <p:spPr>
           <a:xfrm>
             <a:off x="685800" y="4343400"/>
-            <a:ext cx="5481360" cy="4109760"/>
+            <a:ext cx="5481000" cy="4109400"/>
           </a:xfrm>
           <a:prstGeom prst="rect">
             <a:avLst/>
@@ -578,7 +578,7 @@
         <p:spPr>
           <a:xfrm>
             <a:off x="3884760" y="8685360"/>
-            <a:ext cx="2966760" cy="452160"/>
+            <a:ext cx="2966400" cy="451800"/>
           </a:xfrm>
           <a:prstGeom prst="rect">
             <a:avLst/>
@@ -614,7 +614,7 @@
               </a:lnSpc>
               <a:buNone/>
             </a:pPr>
-            <a:fld id="{4C3E7D47-98E9-45B6-B7E5-C7A147AEBD8B}" type="slidenum">
+            <a:fld id="{5F983B38-6CFE-4B15-9485-CF747A7DECCB}" type="slidenum">
               <a:rPr b="0" lang="en-US" sz="1200" spc="-1" strike="noStrike">
                 <a:solidFill>
                   <a:srgbClr val="000000"/>
@@ -665,7 +665,7 @@
         <p:spPr>
           <a:xfrm>
             <a:off x="380880" y="685800"/>
-            <a:ext cx="6090840" cy="3423960"/>
+            <a:ext cx="6090480" cy="3423600"/>
           </a:xfrm>
           <a:prstGeom prst="rect">
             <a:avLst/>
@@ -688,7 +688,7 @@
         <p:spPr>
           <a:xfrm>
             <a:off x="685800" y="4343400"/>
-            <a:ext cx="5481360" cy="4109760"/>
+            <a:ext cx="5481000" cy="4109400"/>
           </a:xfrm>
           <a:prstGeom prst="rect">
             <a:avLst/>
@@ -722,7 +722,7 @@
         <p:spPr>
           <a:xfrm>
             <a:off x="3884760" y="8685360"/>
-            <a:ext cx="2966760" cy="452160"/>
+            <a:ext cx="2966400" cy="451800"/>
           </a:xfrm>
           <a:prstGeom prst="rect">
             <a:avLst/>
@@ -758,7 +758,7 @@
               </a:lnSpc>
               <a:buNone/>
             </a:pPr>
-            <a:fld id="{6A2A901C-A22A-4669-9CD9-D4AA2985E9B1}" type="slidenum">
+            <a:fld id="{D16CB4B7-4465-49B0-915A-354BB177F267}" type="slidenum">
               <a:rPr b="0" lang="en-US" sz="1200" spc="-1" strike="noStrike">
                 <a:solidFill>
                   <a:srgbClr val="000000"/>
@@ -809,7 +809,7 @@
         <p:spPr>
           <a:xfrm>
             <a:off x="380880" y="685800"/>
-            <a:ext cx="6090840" cy="3423960"/>
+            <a:ext cx="6090480" cy="3423600"/>
           </a:xfrm>
           <a:prstGeom prst="rect">
             <a:avLst/>
@@ -832,7 +832,7 @@
         <p:spPr>
           <a:xfrm>
             <a:off x="685800" y="4343400"/>
-            <a:ext cx="5481360" cy="4109760"/>
+            <a:ext cx="5481000" cy="4109400"/>
           </a:xfrm>
           <a:prstGeom prst="rect">
             <a:avLst/>
@@ -866,7 +866,7 @@
         <p:spPr>
           <a:xfrm>
             <a:off x="3884760" y="8685360"/>
-            <a:ext cx="2966760" cy="452160"/>
+            <a:ext cx="2966400" cy="451800"/>
           </a:xfrm>
           <a:prstGeom prst="rect">
             <a:avLst/>
@@ -902,7 +902,7 @@
               </a:lnSpc>
               <a:buNone/>
             </a:pPr>
-            <a:fld id="{6B03AC32-EAE5-4039-8A89-6CB7793B210F}" type="slidenum">
+            <a:fld id="{6DCDC820-8E67-4C60-A320-6822B65A7290}" type="slidenum">
               <a:rPr b="0" lang="en-US" sz="1200" spc="-1" strike="noStrike">
                 <a:solidFill>
                   <a:srgbClr val="000000"/>
@@ -953,7 +953,7 @@
         <p:spPr>
           <a:xfrm>
             <a:off x="380880" y="685800"/>
-            <a:ext cx="6090840" cy="3423960"/>
+            <a:ext cx="6090480" cy="3423600"/>
           </a:xfrm>
           <a:prstGeom prst="rect">
             <a:avLst/>
@@ -976,7 +976,7 @@
         <p:spPr>
           <a:xfrm>
             <a:off x="685800" y="4343400"/>
-            <a:ext cx="5481360" cy="4109760"/>
+            <a:ext cx="5481000" cy="4109400"/>
           </a:xfrm>
           <a:prstGeom prst="rect">
             <a:avLst/>
@@ -1010,7 +1010,7 @@
         <p:spPr>
           <a:xfrm>
             <a:off x="3884760" y="8685360"/>
-            <a:ext cx="2966760" cy="452160"/>
+            <a:ext cx="2966400" cy="451800"/>
           </a:xfrm>
           <a:prstGeom prst="rect">
             <a:avLst/>
@@ -1046,7 +1046,7 @@
               </a:lnSpc>
               <a:buNone/>
             </a:pPr>
-            <a:fld id="{A07C5F15-872D-4713-BE53-313B1FB84421}" type="slidenum">
+            <a:fld id="{F3718EC3-ACB8-4125-89C9-1EC695B4CA0E}" type="slidenum">
               <a:rPr b="0" lang="en-US" sz="1200" spc="-1" strike="noStrike">
                 <a:solidFill>
                   <a:srgbClr val="000000"/>
@@ -1097,7 +1097,7 @@
         <p:spPr>
           <a:xfrm>
             <a:off x="380880" y="685800"/>
-            <a:ext cx="6090840" cy="3423960"/>
+            <a:ext cx="6090480" cy="3423600"/>
           </a:xfrm>
           <a:prstGeom prst="rect">
             <a:avLst/>
@@ -1120,7 +1120,7 @@
         <p:spPr>
           <a:xfrm>
             <a:off x="685800" y="4343400"/>
-            <a:ext cx="5481360" cy="4109760"/>
+            <a:ext cx="5481000" cy="4109400"/>
           </a:xfrm>
           <a:prstGeom prst="rect">
             <a:avLst/>
@@ -1154,7 +1154,7 @@
         <p:spPr>
           <a:xfrm>
             <a:off x="3884760" y="8685360"/>
-            <a:ext cx="2966760" cy="452160"/>
+            <a:ext cx="2966400" cy="451800"/>
           </a:xfrm>
           <a:prstGeom prst="rect">
             <a:avLst/>
@@ -1190,7 +1190,7 @@
               </a:lnSpc>
               <a:buNone/>
             </a:pPr>
-            <a:fld id="{D200C213-60CC-4DDB-A797-6AE96D003B9A}" type="slidenum">
+            <a:fld id="{61A2A940-8452-4482-A163-29A3F185EAE8}" type="slidenum">
               <a:rPr b="0" lang="en-US" sz="1200" spc="-1" strike="noStrike">
                 <a:solidFill>
                   <a:srgbClr val="000000"/>
@@ -1241,7 +1241,7 @@
         <p:spPr>
           <a:xfrm>
             <a:off x="380880" y="685800"/>
-            <a:ext cx="6090840" cy="3423960"/>
+            <a:ext cx="6090480" cy="3423600"/>
           </a:xfrm>
           <a:prstGeom prst="rect">
             <a:avLst/>
@@ -1264,7 +1264,7 @@
         <p:spPr>
           <a:xfrm>
             <a:off x="685800" y="4343400"/>
-            <a:ext cx="5481360" cy="4109760"/>
+            <a:ext cx="5481000" cy="4109400"/>
           </a:xfrm>
           <a:prstGeom prst="rect">
             <a:avLst/>
@@ -1298,7 +1298,7 @@
         <p:spPr>
           <a:xfrm>
             <a:off x="3884760" y="8685360"/>
-            <a:ext cx="2966760" cy="452160"/>
+            <a:ext cx="2966400" cy="451800"/>
           </a:xfrm>
           <a:prstGeom prst="rect">
             <a:avLst/>
@@ -1334,7 +1334,7 @@
               </a:lnSpc>
               <a:buNone/>
             </a:pPr>
-            <a:fld id="{1B41F13F-5927-48FC-B532-C41CF6DC5FF2}" type="slidenum">
+            <a:fld id="{62D0D7F8-E83D-4F04-8A03-91FCCDA57DFE}" type="slidenum">
               <a:rPr b="0" lang="en-US" sz="1200" spc="-1" strike="noStrike">
                 <a:solidFill>
                   <a:srgbClr val="000000"/>
@@ -1385,7 +1385,7 @@
         <p:spPr>
           <a:xfrm>
             <a:off x="380880" y="685800"/>
-            <a:ext cx="6090840" cy="3423960"/>
+            <a:ext cx="6090480" cy="3423600"/>
           </a:xfrm>
           <a:prstGeom prst="rect">
             <a:avLst/>
@@ -1408,7 +1408,7 @@
         <p:spPr>
           <a:xfrm>
             <a:off x="685800" y="4343400"/>
-            <a:ext cx="5481360" cy="4109760"/>
+            <a:ext cx="5481000" cy="4109400"/>
           </a:xfrm>
           <a:prstGeom prst="rect">
             <a:avLst/>
@@ -1442,7 +1442,7 @@
         <p:spPr>
           <a:xfrm>
             <a:off x="3884760" y="8685360"/>
-            <a:ext cx="2966760" cy="452160"/>
+            <a:ext cx="2966400" cy="451800"/>
           </a:xfrm>
           <a:prstGeom prst="rect">
             <a:avLst/>
@@ -1478,7 +1478,7 @@
               </a:lnSpc>
               <a:buNone/>
             </a:pPr>
-            <a:fld id="{D7D0278D-C771-4F64-8ADE-519A81D1DEDD}" type="slidenum">
+            <a:fld id="{DF325409-A668-473E-A2C7-A6023A90849F}" type="slidenum">
               <a:rPr b="0" lang="en-US" sz="1200" spc="-1" strike="noStrike">
                 <a:solidFill>
                   <a:srgbClr val="000000"/>
@@ -1529,7 +1529,7 @@
         <p:spPr>
           <a:xfrm>
             <a:off x="380880" y="685800"/>
-            <a:ext cx="6090840" cy="3423960"/>
+            <a:ext cx="6090480" cy="3423600"/>
           </a:xfrm>
           <a:prstGeom prst="rect">
             <a:avLst/>
@@ -1552,7 +1552,7 @@
         <p:spPr>
           <a:xfrm>
             <a:off x="685800" y="4343400"/>
-            <a:ext cx="5481360" cy="4109760"/>
+            <a:ext cx="5481000" cy="4109400"/>
           </a:xfrm>
           <a:prstGeom prst="rect">
             <a:avLst/>
@@ -1586,7 +1586,7 @@
         <p:spPr>
           <a:xfrm>
             <a:off x="3884760" y="8685360"/>
-            <a:ext cx="2966760" cy="452160"/>
+            <a:ext cx="2966400" cy="451800"/>
           </a:xfrm>
           <a:prstGeom prst="rect">
             <a:avLst/>
@@ -1622,7 +1622,7 @@
               </a:lnSpc>
               <a:buNone/>
             </a:pPr>
-            <a:fld id="{BD70A6B1-455F-41E5-A55A-748B9C17C0E4}" type="slidenum">
+            <a:fld id="{D7014FF5-4004-4B18-9F92-EA1C534C2FFD}" type="slidenum">
               <a:rPr b="0" lang="en-US" sz="1200" spc="-1" strike="noStrike">
                 <a:solidFill>
                   <a:srgbClr val="000000"/>
@@ -1673,7 +1673,7 @@
         <p:spPr>
           <a:xfrm>
             <a:off x="380880" y="685800"/>
-            <a:ext cx="6090840" cy="3423960"/>
+            <a:ext cx="6090480" cy="3423600"/>
           </a:xfrm>
           <a:prstGeom prst="rect">
             <a:avLst/>
@@ -1696,7 +1696,7 @@
         <p:spPr>
           <a:xfrm>
             <a:off x="685800" y="4343400"/>
-            <a:ext cx="5481360" cy="4109760"/>
+            <a:ext cx="5481000" cy="4109400"/>
           </a:xfrm>
           <a:prstGeom prst="rect">
             <a:avLst/>
@@ -1730,7 +1730,7 @@
         <p:spPr>
           <a:xfrm>
             <a:off x="3884760" y="8685360"/>
-            <a:ext cx="2966760" cy="452160"/>
+            <a:ext cx="2966400" cy="451800"/>
           </a:xfrm>
           <a:prstGeom prst="rect">
             <a:avLst/>
@@ -1766,7 +1766,7 @@
               </a:lnSpc>
               <a:buNone/>
             </a:pPr>
-            <a:fld id="{114D029A-9C1E-4775-B20E-EF7D49C303E2}" type="slidenum">
+            <a:fld id="{32DDABBC-2D01-4BAA-B010-90DA32513E3C}" type="slidenum">
               <a:rPr b="0" lang="en-US" sz="1200" spc="-1" strike="noStrike">
                 <a:solidFill>
                   <a:srgbClr val="000000"/>
@@ -1817,7 +1817,7 @@
         <p:spPr>
           <a:xfrm>
             <a:off x="380880" y="685800"/>
-            <a:ext cx="6090840" cy="3423960"/>
+            <a:ext cx="6090480" cy="3423600"/>
           </a:xfrm>
           <a:prstGeom prst="rect">
             <a:avLst/>
@@ -1840,7 +1840,7 @@
         <p:spPr>
           <a:xfrm>
             <a:off x="685800" y="4343400"/>
-            <a:ext cx="5481360" cy="4109760"/>
+            <a:ext cx="5481000" cy="4109400"/>
           </a:xfrm>
           <a:prstGeom prst="rect">
             <a:avLst/>
@@ -1874,7 +1874,7 @@
         <p:spPr>
           <a:xfrm>
             <a:off x="3884760" y="8685360"/>
-            <a:ext cx="2966760" cy="452160"/>
+            <a:ext cx="2966400" cy="451800"/>
           </a:xfrm>
           <a:prstGeom prst="rect">
             <a:avLst/>
@@ -1910,7 +1910,7 @@
               </a:lnSpc>
               <a:buNone/>
             </a:pPr>
-            <a:fld id="{506827D7-E853-4A27-BDC8-C9E1B60CFD48}" type="slidenum">
+            <a:fld id="{1C9F3FF7-D43E-43F1-B4D7-0C1CDE4D38E5}" type="slidenum">
               <a:rPr b="0" lang="en-US" sz="1200" spc="-1" strike="noStrike">
                 <a:solidFill>
                   <a:srgbClr val="000000"/>
@@ -1961,7 +1961,7 @@
         <p:spPr>
           <a:xfrm>
             <a:off x="380880" y="685800"/>
-            <a:ext cx="6090840" cy="3423960"/>
+            <a:ext cx="6090480" cy="3423600"/>
           </a:xfrm>
           <a:prstGeom prst="rect">
             <a:avLst/>
@@ -1984,7 +1984,7 @@
         <p:spPr>
           <a:xfrm>
             <a:off x="685800" y="4343400"/>
-            <a:ext cx="5481360" cy="4109760"/>
+            <a:ext cx="5481000" cy="4109400"/>
           </a:xfrm>
           <a:prstGeom prst="rect">
             <a:avLst/>
@@ -2018,7 +2018,7 @@
         <p:spPr>
           <a:xfrm>
             <a:off x="3884760" y="8685360"/>
-            <a:ext cx="2966760" cy="452160"/>
+            <a:ext cx="2966400" cy="451800"/>
           </a:xfrm>
           <a:prstGeom prst="rect">
             <a:avLst/>
@@ -2054,7 +2054,7 @@
               </a:lnSpc>
               <a:buNone/>
             </a:pPr>
-            <a:fld id="{F98CF645-7E48-45D8-BFCC-000206809F9B}" type="slidenum">
+            <a:fld id="{BC0425C3-784D-4404-B3EF-7E9CA7541A6F}" type="slidenum">
               <a:rPr b="0" lang="en-US" sz="1200" spc="-1" strike="noStrike">
                 <a:solidFill>
                   <a:srgbClr val="000000"/>
@@ -2105,7 +2105,7 @@
         <p:spPr>
           <a:xfrm>
             <a:off x="380880" y="685800"/>
-            <a:ext cx="6090840" cy="3423960"/>
+            <a:ext cx="6090480" cy="3423600"/>
           </a:xfrm>
           <a:prstGeom prst="rect">
             <a:avLst/>
@@ -2128,7 +2128,7 @@
         <p:spPr>
           <a:xfrm>
             <a:off x="685800" y="4343400"/>
-            <a:ext cx="5481360" cy="4109760"/>
+            <a:ext cx="5481000" cy="4109400"/>
           </a:xfrm>
           <a:prstGeom prst="rect">
             <a:avLst/>
@@ -2162,7 +2162,7 @@
         <p:spPr>
           <a:xfrm>
             <a:off x="3884760" y="8685360"/>
-            <a:ext cx="2966760" cy="452160"/>
+            <a:ext cx="2966400" cy="451800"/>
           </a:xfrm>
           <a:prstGeom prst="rect">
             <a:avLst/>
@@ -2198,7 +2198,7 @@
               </a:lnSpc>
               <a:buNone/>
             </a:pPr>
-            <a:fld id="{137D8030-AAFE-47B8-9556-B6E00A818AC4}" type="slidenum">
+            <a:fld id="{D01C04A2-C9B3-4810-B9A5-457FF776CAC3}" type="slidenum">
               <a:rPr b="0" lang="en-US" sz="1200" spc="-1" strike="noStrike">
                 <a:solidFill>
                   <a:srgbClr val="000000"/>
@@ -2249,7 +2249,7 @@
         <p:spPr>
           <a:xfrm>
             <a:off x="380880" y="685800"/>
-            <a:ext cx="6090840" cy="3423960"/>
+            <a:ext cx="6090480" cy="3423600"/>
           </a:xfrm>
           <a:prstGeom prst="rect">
             <a:avLst/>
@@ -2272,7 +2272,7 @@
         <p:spPr>
           <a:xfrm>
             <a:off x="685800" y="4343400"/>
-            <a:ext cx="5481360" cy="4109760"/>
+            <a:ext cx="5481000" cy="4109400"/>
           </a:xfrm>
           <a:prstGeom prst="rect">
             <a:avLst/>
@@ -2306,7 +2306,7 @@
         <p:spPr>
           <a:xfrm>
             <a:off x="3884760" y="8685360"/>
-            <a:ext cx="2966760" cy="452160"/>
+            <a:ext cx="2966400" cy="451800"/>
           </a:xfrm>
           <a:prstGeom prst="rect">
             <a:avLst/>
@@ -2342,7 +2342,7 @@
               </a:lnSpc>
               <a:buNone/>
             </a:pPr>
-            <a:fld id="{76F9B970-6236-45AC-BAEA-358394A5BDA0}" type="slidenum">
+            <a:fld id="{AC0FF8E9-E573-470D-A3C8-AF20E3CC6CEF}" type="slidenum">
               <a:rPr b="0" lang="en-US" sz="1200" spc="-1" strike="noStrike">
                 <a:solidFill>
                   <a:srgbClr val="000000"/>
@@ -2393,7 +2393,7 @@
         <p:spPr>
           <a:xfrm>
             <a:off x="380880" y="685800"/>
-            <a:ext cx="6090840" cy="3423960"/>
+            <a:ext cx="6090480" cy="3423600"/>
           </a:xfrm>
           <a:prstGeom prst="rect">
             <a:avLst/>
@@ -2416,7 +2416,7 @@
         <p:spPr>
           <a:xfrm>
             <a:off x="685800" y="4343400"/>
-            <a:ext cx="5481360" cy="4109760"/>
+            <a:ext cx="5481000" cy="4109400"/>
           </a:xfrm>
           <a:prstGeom prst="rect">
             <a:avLst/>
@@ -2450,7 +2450,7 @@
         <p:spPr>
           <a:xfrm>
             <a:off x="3884760" y="8685360"/>
-            <a:ext cx="2966760" cy="452160"/>
+            <a:ext cx="2966400" cy="451800"/>
           </a:xfrm>
           <a:prstGeom prst="rect">
             <a:avLst/>
@@ -2486,7 +2486,7 @@
               </a:lnSpc>
               <a:buNone/>
             </a:pPr>
-            <a:fld id="{2927FA74-AB9C-49D5-A7EC-F4B16868E99B}" type="slidenum">
+            <a:fld id="{9419C7CA-4A25-4F83-9DDF-67B8C5F36242}" type="slidenum">
               <a:rPr b="0" lang="en-US" sz="1200" spc="-1" strike="noStrike">
                 <a:solidFill>
                   <a:srgbClr val="000000"/>
@@ -2537,7 +2537,7 @@
         <p:spPr>
           <a:xfrm>
             <a:off x="380880" y="685800"/>
-            <a:ext cx="6090840" cy="3423960"/>
+            <a:ext cx="6090480" cy="3423600"/>
           </a:xfrm>
           <a:prstGeom prst="rect">
             <a:avLst/>
@@ -2560,7 +2560,7 @@
         <p:spPr>
           <a:xfrm>
             <a:off x="685800" y="4343400"/>
-            <a:ext cx="5481360" cy="4109760"/>
+            <a:ext cx="5481000" cy="4109400"/>
           </a:xfrm>
           <a:prstGeom prst="rect">
             <a:avLst/>
@@ -2594,7 +2594,7 @@
         <p:spPr>
           <a:xfrm>
             <a:off x="3884760" y="8685360"/>
-            <a:ext cx="2966760" cy="452160"/>
+            <a:ext cx="2966400" cy="451800"/>
           </a:xfrm>
           <a:prstGeom prst="rect">
             <a:avLst/>
@@ -2630,7 +2630,7 @@
               </a:lnSpc>
               <a:buNone/>
             </a:pPr>
-            <a:fld id="{7C6CB2AB-923E-448C-B692-1386973C1965}" type="slidenum">
+            <a:fld id="{AEC54FC1-B505-47F6-8CEC-EBF2EDE510B6}" type="slidenum">
               <a:rPr b="0" lang="en-US" sz="1200" spc="-1" strike="noStrike">
                 <a:solidFill>
                   <a:srgbClr val="000000"/>
@@ -2681,7 +2681,7 @@
         <p:spPr>
           <a:xfrm>
             <a:off x="380880" y="685800"/>
-            <a:ext cx="6090840" cy="3423960"/>
+            <a:ext cx="6090480" cy="3423600"/>
           </a:xfrm>
           <a:prstGeom prst="rect">
             <a:avLst/>
@@ -2704,7 +2704,7 @@
         <p:spPr>
           <a:xfrm>
             <a:off x="685800" y="4343400"/>
-            <a:ext cx="5481360" cy="4109760"/>
+            <a:ext cx="5481000" cy="4109400"/>
           </a:xfrm>
           <a:prstGeom prst="rect">
             <a:avLst/>
@@ -2738,7 +2738,7 @@
         <p:spPr>
           <a:xfrm>
             <a:off x="3884760" y="8685360"/>
-            <a:ext cx="2966760" cy="452160"/>
+            <a:ext cx="2966400" cy="451800"/>
           </a:xfrm>
           <a:prstGeom prst="rect">
             <a:avLst/>
@@ -2774,7 +2774,7 @@
               </a:lnSpc>
               <a:buNone/>
             </a:pPr>
-            <a:fld id="{3E8ABF79-1C81-449F-B247-FA824D00D528}" type="slidenum">
+            <a:fld id="{6F340879-83B8-4EB0-AB74-1FD1AB9458BA}" type="slidenum">
               <a:rPr b="0" lang="en-US" sz="1200" spc="-1" strike="noStrike">
                 <a:solidFill>
                   <a:srgbClr val="000000"/>
@@ -2825,7 +2825,7 @@
         <p:spPr>
           <a:xfrm>
             <a:off x="380880" y="685800"/>
-            <a:ext cx="6090840" cy="3423960"/>
+            <a:ext cx="6090480" cy="3423600"/>
           </a:xfrm>
           <a:prstGeom prst="rect">
             <a:avLst/>
@@ -2848,7 +2848,7 @@
         <p:spPr>
           <a:xfrm>
             <a:off x="685800" y="4343400"/>
-            <a:ext cx="5481360" cy="4109760"/>
+            <a:ext cx="5481000" cy="4109400"/>
           </a:xfrm>
           <a:prstGeom prst="rect">
             <a:avLst/>
@@ -2882,7 +2882,7 @@
         <p:spPr>
           <a:xfrm>
             <a:off x="3884760" y="8685360"/>
-            <a:ext cx="2966760" cy="452160"/>
+            <a:ext cx="2966400" cy="451800"/>
           </a:xfrm>
           <a:prstGeom prst="rect">
             <a:avLst/>
@@ -2918,7 +2918,7 @@
               </a:lnSpc>
               <a:buNone/>
             </a:pPr>
-            <a:fld id="{BC808832-3201-4E1A-8D67-190D40987B26}" type="slidenum">
+            <a:fld id="{2F2D42AE-E3EA-4742-B1C6-B2FDCA1D48EA}" type="slidenum">
               <a:rPr b="0" lang="en-US" sz="1200" spc="-1" strike="noStrike">
                 <a:solidFill>
                   <a:srgbClr val="000000"/>
@@ -2969,7 +2969,7 @@
         <p:spPr>
           <a:xfrm>
             <a:off x="380880" y="685800"/>
-            <a:ext cx="6090840" cy="3423960"/>
+            <a:ext cx="6090480" cy="3423600"/>
           </a:xfrm>
           <a:prstGeom prst="rect">
             <a:avLst/>
@@ -2992,7 +2992,7 @@
         <p:spPr>
           <a:xfrm>
             <a:off x="685800" y="4343400"/>
-            <a:ext cx="5481360" cy="4109760"/>
+            <a:ext cx="5481000" cy="4109400"/>
           </a:xfrm>
           <a:prstGeom prst="rect">
             <a:avLst/>
@@ -3026,7 +3026,7 @@
         <p:spPr>
           <a:xfrm>
             <a:off x="3884760" y="8685360"/>
-            <a:ext cx="2966760" cy="452160"/>
+            <a:ext cx="2966400" cy="451800"/>
           </a:xfrm>
           <a:prstGeom prst="rect">
             <a:avLst/>
@@ -3062,7 +3062,7 @@
               </a:lnSpc>
               <a:buNone/>
             </a:pPr>
-            <a:fld id="{E605B28A-480D-4F24-BFF5-B86D186E658A}" type="slidenum">
+            <a:fld id="{9325D3D7-96F7-434E-A8D6-0CA200A9BE85}" type="slidenum">
               <a:rPr b="0" lang="en-US" sz="1200" spc="-1" strike="noStrike">
                 <a:solidFill>
                   <a:srgbClr val="000000"/>
@@ -3113,7 +3113,7 @@
         <p:spPr>
           <a:xfrm>
             <a:off x="380880" y="685800"/>
-            <a:ext cx="6090840" cy="3423960"/>
+            <a:ext cx="6090480" cy="3423600"/>
           </a:xfrm>
           <a:prstGeom prst="rect">
             <a:avLst/>
@@ -3136,7 +3136,7 @@
         <p:spPr>
           <a:xfrm>
             <a:off x="685800" y="4343400"/>
-            <a:ext cx="5481360" cy="4109760"/>
+            <a:ext cx="5481000" cy="4109400"/>
           </a:xfrm>
           <a:prstGeom prst="rect">
             <a:avLst/>
@@ -3170,7 +3170,7 @@
         <p:spPr>
           <a:xfrm>
             <a:off x="3884760" y="8685360"/>
-            <a:ext cx="2966760" cy="452160"/>
+            <a:ext cx="2966400" cy="451800"/>
           </a:xfrm>
           <a:prstGeom prst="rect">
             <a:avLst/>
@@ -3206,7 +3206,7 @@
               </a:lnSpc>
               <a:buNone/>
             </a:pPr>
-            <a:fld id="{EB5B471A-B81B-4BD2-A28E-E42925557043}" type="slidenum">
+            <a:fld id="{DA6F9FB6-0A0F-4017-98DB-E2C27BDE17F2}" type="slidenum">
               <a:rPr b="0" lang="en-US" sz="1200" spc="-1" strike="noStrike">
                 <a:solidFill>
                   <a:srgbClr val="000000"/>
@@ -3257,7 +3257,7 @@
         <p:spPr>
           <a:xfrm>
             <a:off x="380880" y="685800"/>
-            <a:ext cx="6090840" cy="3423960"/>
+            <a:ext cx="6090480" cy="3423600"/>
           </a:xfrm>
           <a:prstGeom prst="rect">
             <a:avLst/>
@@ -3280,7 +3280,7 @@
         <p:spPr>
           <a:xfrm>
             <a:off x="685800" y="4343400"/>
-            <a:ext cx="5481360" cy="4109760"/>
+            <a:ext cx="5481000" cy="4109400"/>
           </a:xfrm>
           <a:prstGeom prst="rect">
             <a:avLst/>
@@ -3314,7 +3314,7 @@
         <p:spPr>
           <a:xfrm>
             <a:off x="3884760" y="8685360"/>
-            <a:ext cx="2966760" cy="452160"/>
+            <a:ext cx="2966400" cy="451800"/>
           </a:xfrm>
           <a:prstGeom prst="rect">
             <a:avLst/>
@@ -3350,7 +3350,7 @@
               </a:lnSpc>
               <a:buNone/>
             </a:pPr>
-            <a:fld id="{1F113BFB-029C-4556-A585-46722D029D26}" type="slidenum">
+            <a:fld id="{840290F1-8E10-4577-93CE-61DBFE5CE246}" type="slidenum">
               <a:rPr b="0" lang="en-US" sz="1200" spc="-1" strike="noStrike">
                 <a:solidFill>
                   <a:srgbClr val="000000"/>
@@ -3401,7 +3401,7 @@
         <p:spPr>
           <a:xfrm>
             <a:off x="380880" y="685800"/>
-            <a:ext cx="6090840" cy="3423960"/>
+            <a:ext cx="6090480" cy="3423600"/>
           </a:xfrm>
           <a:prstGeom prst="rect">
             <a:avLst/>
@@ -3424,7 +3424,7 @@
         <p:spPr>
           <a:xfrm>
             <a:off x="685800" y="4343400"/>
-            <a:ext cx="5481360" cy="4109760"/>
+            <a:ext cx="5481000" cy="4109400"/>
           </a:xfrm>
           <a:prstGeom prst="rect">
             <a:avLst/>
@@ -3458,7 +3458,7 @@
         <p:spPr>
           <a:xfrm>
             <a:off x="3884760" y="8685360"/>
-            <a:ext cx="2966760" cy="452160"/>
+            <a:ext cx="2966400" cy="451800"/>
           </a:xfrm>
           <a:prstGeom prst="rect">
             <a:avLst/>
@@ -3494,7 +3494,7 @@
               </a:lnSpc>
               <a:buNone/>
             </a:pPr>
-            <a:fld id="{E616F5DB-52D9-40E4-B79B-78135816AA62}" type="slidenum">
+            <a:fld id="{87CACACC-68FA-4200-A3D7-717F993CA081}" type="slidenum">
               <a:rPr b="0" lang="en-US" sz="1200" spc="-1" strike="noStrike">
                 <a:solidFill>
                   <a:srgbClr val="000000"/>
@@ -3545,7 +3545,7 @@
         <p:spPr>
           <a:xfrm>
             <a:off x="380880" y="685800"/>
-            <a:ext cx="6090840" cy="3423960"/>
+            <a:ext cx="6090480" cy="3423600"/>
           </a:xfrm>
           <a:prstGeom prst="rect">
             <a:avLst/>
@@ -3568,7 +3568,7 @@
         <p:spPr>
           <a:xfrm>
             <a:off x="685800" y="4343400"/>
-            <a:ext cx="5481360" cy="4109760"/>
+            <a:ext cx="5481000" cy="4109400"/>
           </a:xfrm>
           <a:prstGeom prst="rect">
             <a:avLst/>
@@ -3602,7 +3602,7 @@
         <p:spPr>
           <a:xfrm>
             <a:off x="3884760" y="8685360"/>
-            <a:ext cx="2966760" cy="452160"/>
+            <a:ext cx="2966400" cy="451800"/>
           </a:xfrm>
           <a:prstGeom prst="rect">
             <a:avLst/>
@@ -3638,7 +3638,7 @@
               </a:lnSpc>
               <a:buNone/>
             </a:pPr>
-            <a:fld id="{021B7A27-2327-40CE-8F7A-C23923FD6768}" type="slidenum">
+            <a:fld id="{A500C2CA-8BFB-4F27-8E55-40C366C3D239}" type="slidenum">
               <a:rPr b="0" lang="en-US" sz="1200" spc="-1" strike="noStrike">
                 <a:solidFill>
                   <a:srgbClr val="000000"/>
@@ -3689,7 +3689,7 @@
         <p:spPr>
           <a:xfrm>
             <a:off x="380880" y="685800"/>
-            <a:ext cx="6090840" cy="3423960"/>
+            <a:ext cx="6090480" cy="3423600"/>
           </a:xfrm>
           <a:prstGeom prst="rect">
             <a:avLst/>
@@ -3712,7 +3712,7 @@
         <p:spPr>
           <a:xfrm>
             <a:off x="685800" y="4343400"/>
-            <a:ext cx="5481360" cy="4109760"/>
+            <a:ext cx="5481000" cy="4109400"/>
           </a:xfrm>
           <a:prstGeom prst="rect">
             <a:avLst/>
@@ -3746,7 +3746,7 @@
         <p:spPr>
           <a:xfrm>
             <a:off x="3884760" y="8685360"/>
-            <a:ext cx="2966760" cy="452160"/>
+            <a:ext cx="2966400" cy="451800"/>
           </a:xfrm>
           <a:prstGeom prst="rect">
             <a:avLst/>
@@ -3782,7 +3782,7 @@
               </a:lnSpc>
               <a:buNone/>
             </a:pPr>
-            <a:fld id="{E1B1D632-2372-45C5-8651-E16C96198AC7}" type="slidenum">
+            <a:fld id="{EDCF03A2-4BB4-44EE-ACF0-E7845112961C}" type="slidenum">
               <a:rPr b="0" lang="en-US" sz="1200" spc="-1" strike="noStrike">
                 <a:solidFill>
                   <a:srgbClr val="000000"/>
@@ -3833,7 +3833,7 @@
         <p:spPr>
           <a:xfrm>
             <a:off x="380880" y="685800"/>
-            <a:ext cx="6090840" cy="3423960"/>
+            <a:ext cx="6090480" cy="3423600"/>
           </a:xfrm>
           <a:prstGeom prst="rect">
             <a:avLst/>
@@ -3856,7 +3856,7 @@
         <p:spPr>
           <a:xfrm>
             <a:off x="685800" y="4343400"/>
-            <a:ext cx="5481360" cy="4109760"/>
+            <a:ext cx="5481000" cy="4109400"/>
           </a:xfrm>
           <a:prstGeom prst="rect">
             <a:avLst/>
@@ -3890,7 +3890,7 @@
         <p:spPr>
           <a:xfrm>
             <a:off x="3884760" y="8685360"/>
-            <a:ext cx="2966760" cy="452160"/>
+            <a:ext cx="2966400" cy="451800"/>
           </a:xfrm>
           <a:prstGeom prst="rect">
             <a:avLst/>
@@ -3926,7 +3926,7 @@
               </a:lnSpc>
               <a:buNone/>
             </a:pPr>
-            <a:fld id="{56ADCF33-4582-4CA6-8FE4-FE9DEB4EF779}" type="slidenum">
+            <a:fld id="{F24264C1-F006-4B10-8274-7AD036B936B2}" type="slidenum">
               <a:rPr b="0" lang="en-US" sz="1200" spc="-1" strike="noStrike">
                 <a:solidFill>
                   <a:srgbClr val="000000"/>
@@ -3977,7 +3977,7 @@
         <p:spPr>
           <a:xfrm>
             <a:off x="380880" y="685800"/>
-            <a:ext cx="6090840" cy="3423960"/>
+            <a:ext cx="6090480" cy="3423600"/>
           </a:xfrm>
           <a:prstGeom prst="rect">
             <a:avLst/>
@@ -4000,7 +4000,7 @@
         <p:spPr>
           <a:xfrm>
             <a:off x="685800" y="4343400"/>
-            <a:ext cx="5481360" cy="4109760"/>
+            <a:ext cx="5481000" cy="4109400"/>
           </a:xfrm>
           <a:prstGeom prst="rect">
             <a:avLst/>
@@ -4034,7 +4034,7 @@
         <p:spPr>
           <a:xfrm>
             <a:off x="3884760" y="8685360"/>
-            <a:ext cx="2966760" cy="452160"/>
+            <a:ext cx="2966400" cy="451800"/>
           </a:xfrm>
           <a:prstGeom prst="rect">
             <a:avLst/>
@@ -4070,7 +4070,7 @@
               </a:lnSpc>
               <a:buNone/>
             </a:pPr>
-            <a:fld id="{3E5CDE4B-1E33-43F8-8411-A20BA4728A4D}" type="slidenum">
+            <a:fld id="{EBC9471B-23B7-4B68-A710-F8D8AFD5C4FE}" type="slidenum">
               <a:rPr b="0" lang="en-US" sz="1200" spc="-1" strike="noStrike">
                 <a:solidFill>
                   <a:srgbClr val="000000"/>
@@ -4121,7 +4121,7 @@
         <p:spPr>
           <a:xfrm>
             <a:off x="380880" y="685800"/>
-            <a:ext cx="6090840" cy="3423960"/>
+            <a:ext cx="6090480" cy="3423600"/>
           </a:xfrm>
           <a:prstGeom prst="rect">
             <a:avLst/>
@@ -4144,7 +4144,7 @@
         <p:spPr>
           <a:xfrm>
             <a:off x="685800" y="4343400"/>
-            <a:ext cx="5481360" cy="4109760"/>
+            <a:ext cx="5481000" cy="4109400"/>
           </a:xfrm>
           <a:prstGeom prst="rect">
             <a:avLst/>
@@ -4178,7 +4178,7 @@
         <p:spPr>
           <a:xfrm>
             <a:off x="3884760" y="8685360"/>
-            <a:ext cx="2966760" cy="452160"/>
+            <a:ext cx="2966400" cy="451800"/>
           </a:xfrm>
           <a:prstGeom prst="rect">
             <a:avLst/>
@@ -4214,7 +4214,7 @@
               </a:lnSpc>
               <a:buNone/>
             </a:pPr>
-            <a:fld id="{D0A34702-5C07-4387-A032-38EDCB338919}" type="slidenum">
+            <a:fld id="{8F8DA6FE-1E49-4389-88F7-A9300066A633}" type="slidenum">
               <a:rPr b="0" lang="en-US" sz="1200" spc="-1" strike="noStrike">
                 <a:solidFill>
                   <a:srgbClr val="000000"/>
@@ -4265,7 +4265,7 @@
         <p:spPr>
           <a:xfrm>
             <a:off x="380880" y="685800"/>
-            <a:ext cx="6090840" cy="3423960"/>
+            <a:ext cx="6090480" cy="3423600"/>
           </a:xfrm>
           <a:prstGeom prst="rect">
             <a:avLst/>
@@ -4288,7 +4288,7 @@
         <p:spPr>
           <a:xfrm>
             <a:off x="685800" y="4343400"/>
-            <a:ext cx="5481360" cy="4109760"/>
+            <a:ext cx="5481000" cy="4109400"/>
           </a:xfrm>
           <a:prstGeom prst="rect">
             <a:avLst/>
@@ -4322,7 +4322,7 @@
         <p:spPr>
           <a:xfrm>
             <a:off x="3884760" y="8685360"/>
-            <a:ext cx="2966760" cy="452160"/>
+            <a:ext cx="2966400" cy="451800"/>
           </a:xfrm>
           <a:prstGeom prst="rect">
             <a:avLst/>
@@ -4358,7 +4358,7 @@
               </a:lnSpc>
               <a:buNone/>
             </a:pPr>
-            <a:fld id="{3FB2C4B4-90C3-4A72-B3ED-96A408341556}" type="slidenum">
+            <a:fld id="{87464B4F-148B-49B7-8098-68230313EB86}" type="slidenum">
               <a:rPr b="0" lang="en-US" sz="1200" spc="-1" strike="noStrike">
                 <a:solidFill>
                   <a:srgbClr val="000000"/>
@@ -4409,7 +4409,7 @@
         <p:spPr>
           <a:xfrm>
             <a:off x="380880" y="685800"/>
-            <a:ext cx="6090840" cy="3423960"/>
+            <a:ext cx="6090480" cy="3423600"/>
           </a:xfrm>
           <a:prstGeom prst="rect">
             <a:avLst/>
@@ -4432,7 +4432,7 @@
         <p:spPr>
           <a:xfrm>
             <a:off x="685800" y="4343400"/>
-            <a:ext cx="5481360" cy="4109760"/>
+            <a:ext cx="5481000" cy="4109400"/>
           </a:xfrm>
           <a:prstGeom prst="rect">
             <a:avLst/>
@@ -4466,7 +4466,7 @@
         <p:spPr>
           <a:xfrm>
             <a:off x="3884760" y="8685360"/>
-            <a:ext cx="2966760" cy="452160"/>
+            <a:ext cx="2966400" cy="451800"/>
           </a:xfrm>
           <a:prstGeom prst="rect">
             <a:avLst/>
@@ -4502,7 +4502,7 @@
               </a:lnSpc>
               <a:buNone/>
             </a:pPr>
-            <a:fld id="{A827F114-1CA9-4139-9D48-3E5351FB955A}" type="slidenum">
+            <a:fld id="{0DFE9C2F-A05E-411F-B5F1-F45B6CBB2709}" type="slidenum">
               <a:rPr b="0" lang="en-US" sz="1200" spc="-1" strike="noStrike">
                 <a:solidFill>
                   <a:srgbClr val="000000"/>
@@ -4553,7 +4553,7 @@
         <p:spPr>
           <a:xfrm>
             <a:off x="380880" y="685800"/>
-            <a:ext cx="6090840" cy="3423960"/>
+            <a:ext cx="6090480" cy="3423600"/>
           </a:xfrm>
           <a:prstGeom prst="rect">
             <a:avLst/>
@@ -4576,7 +4576,7 @@
         <p:spPr>
           <a:xfrm>
             <a:off x="685800" y="4343400"/>
-            <a:ext cx="5481360" cy="4109760"/>
+            <a:ext cx="5481000" cy="4109400"/>
           </a:xfrm>
           <a:prstGeom prst="rect">
             <a:avLst/>
@@ -4610,7 +4610,7 @@
         <p:spPr>
           <a:xfrm>
             <a:off x="3884760" y="8685360"/>
-            <a:ext cx="2966760" cy="452160"/>
+            <a:ext cx="2966400" cy="451800"/>
           </a:xfrm>
           <a:prstGeom prst="rect">
             <a:avLst/>
@@ -4646,7 +4646,7 @@
               </a:lnSpc>
               <a:buNone/>
             </a:pPr>
-            <a:fld id="{782B6924-D72A-4465-A02A-B4E34034AFD6}" type="slidenum">
+            <a:fld id="{B37BAF39-D59F-45DD-BC61-103C8DC50AD0}" type="slidenum">
               <a:rPr b="0" lang="en-US" sz="1200" spc="-1" strike="noStrike">
                 <a:solidFill>
                   <a:srgbClr val="000000"/>
@@ -4697,7 +4697,7 @@
         <p:spPr>
           <a:xfrm>
             <a:off x="380880" y="685800"/>
-            <a:ext cx="6090840" cy="3423960"/>
+            <a:ext cx="6090480" cy="3423600"/>
           </a:xfrm>
           <a:prstGeom prst="rect">
             <a:avLst/>
@@ -4720,7 +4720,7 @@
         <p:spPr>
           <a:xfrm>
             <a:off x="685800" y="4343400"/>
-            <a:ext cx="5481360" cy="4109760"/>
+            <a:ext cx="5481000" cy="4109400"/>
           </a:xfrm>
           <a:prstGeom prst="rect">
             <a:avLst/>
@@ -4754,7 +4754,7 @@
         <p:spPr>
           <a:xfrm>
             <a:off x="3884760" y="8685360"/>
-            <a:ext cx="2966760" cy="452160"/>
+            <a:ext cx="2966400" cy="451800"/>
           </a:xfrm>
           <a:prstGeom prst="rect">
             <a:avLst/>
@@ -4790,7 +4790,7 @@
               </a:lnSpc>
               <a:buNone/>
             </a:pPr>
-            <a:fld id="{1B4AAAE1-A94A-4BE3-8B36-38AB95FAE649}" type="slidenum">
+            <a:fld id="{68922B65-55D9-4D73-A816-EEB2D80A70D7}" type="slidenum">
               <a:rPr b="0" lang="en-US" sz="1200" spc="-1" strike="noStrike">
                 <a:solidFill>
                   <a:srgbClr val="000000"/>
@@ -4841,7 +4841,7 @@
         <p:spPr>
           <a:xfrm>
             <a:off x="380880" y="685800"/>
-            <a:ext cx="6090840" cy="3423960"/>
+            <a:ext cx="6090480" cy="3423600"/>
           </a:xfrm>
           <a:prstGeom prst="rect">
             <a:avLst/>
@@ -4864,7 +4864,7 @@
         <p:spPr>
           <a:xfrm>
             <a:off x="685800" y="4343400"/>
-            <a:ext cx="5481360" cy="4109760"/>
+            <a:ext cx="5481000" cy="4109400"/>
           </a:xfrm>
           <a:prstGeom prst="rect">
             <a:avLst/>
@@ -4898,7 +4898,7 @@
         <p:spPr>
           <a:xfrm>
             <a:off x="3884760" y="8685360"/>
-            <a:ext cx="2966760" cy="452160"/>
+            <a:ext cx="2966400" cy="451800"/>
           </a:xfrm>
           <a:prstGeom prst="rect">
             <a:avLst/>
@@ -4934,7 +4934,7 @@
               </a:lnSpc>
               <a:buNone/>
             </a:pPr>
-            <a:fld id="{FDAA1726-097D-4E3D-A33B-F0B842BC19CC}" type="slidenum">
+            <a:fld id="{C8DD753E-1BD0-45D9-BA81-C7E6207184E4}" type="slidenum">
               <a:rPr b="0" lang="en-US" sz="1200" spc="-1" strike="noStrike">
                 <a:solidFill>
                   <a:srgbClr val="000000"/>
@@ -4985,7 +4985,7 @@
         <p:spPr>
           <a:xfrm>
             <a:off x="380880" y="685800"/>
-            <a:ext cx="6090840" cy="3423960"/>
+            <a:ext cx="6090480" cy="3423600"/>
           </a:xfrm>
           <a:prstGeom prst="rect">
             <a:avLst/>
@@ -5008,7 +5008,7 @@
         <p:spPr>
           <a:xfrm>
             <a:off x="685800" y="4343400"/>
-            <a:ext cx="5481360" cy="4109760"/>
+            <a:ext cx="5481000" cy="4109400"/>
           </a:xfrm>
           <a:prstGeom prst="rect">
             <a:avLst/>
@@ -5042,7 +5042,7 @@
         <p:spPr>
           <a:xfrm>
             <a:off x="3884760" y="8685360"/>
-            <a:ext cx="2966760" cy="452160"/>
+            <a:ext cx="2966400" cy="451800"/>
           </a:xfrm>
           <a:prstGeom prst="rect">
             <a:avLst/>
@@ -5078,7 +5078,7 @@
               </a:lnSpc>
               <a:buNone/>
             </a:pPr>
-            <a:fld id="{07D18A39-4174-438F-94FD-B736415CFEEA}" type="slidenum">
+            <a:fld id="{D6A21682-BDCC-436F-8395-D4D6F73B751A}" type="slidenum">
               <a:rPr b="0" lang="en-US" sz="1200" spc="-1" strike="noStrike">
                 <a:solidFill>
                   <a:srgbClr val="000000"/>
@@ -5129,7 +5129,7 @@
         <p:spPr>
           <a:xfrm>
             <a:off x="380880" y="685800"/>
-            <a:ext cx="6090840" cy="3423960"/>
+            <a:ext cx="6090480" cy="3423600"/>
           </a:xfrm>
           <a:prstGeom prst="rect">
             <a:avLst/>
@@ -5152,7 +5152,7 @@
         <p:spPr>
           <a:xfrm>
             <a:off x="685800" y="4343400"/>
-            <a:ext cx="5481360" cy="4109760"/>
+            <a:ext cx="5481000" cy="4109400"/>
           </a:xfrm>
           <a:prstGeom prst="rect">
             <a:avLst/>
@@ -5186,7 +5186,7 @@
         <p:spPr>
           <a:xfrm>
             <a:off x="3884760" y="8685360"/>
-            <a:ext cx="2966760" cy="452160"/>
+            <a:ext cx="2966400" cy="451800"/>
           </a:xfrm>
           <a:prstGeom prst="rect">
             <a:avLst/>
@@ -5222,7 +5222,7 @@
               </a:lnSpc>
               <a:buNone/>
             </a:pPr>
-            <a:fld id="{C20A4F69-2191-479B-A798-517127CDC0E4}" type="slidenum">
+            <a:fld id="{3D16FCF4-A754-46C9-A66D-57B645FFC584}" type="slidenum">
               <a:rPr b="0" lang="en-US" sz="1200" spc="-1" strike="noStrike">
                 <a:solidFill>
                   <a:srgbClr val="000000"/>
@@ -5273,7 +5273,7 @@
         <p:spPr>
           <a:xfrm>
             <a:off x="380880" y="685800"/>
-            <a:ext cx="6090840" cy="3423960"/>
+            <a:ext cx="6090480" cy="3423600"/>
           </a:xfrm>
           <a:prstGeom prst="rect">
             <a:avLst/>
@@ -5296,7 +5296,7 @@
         <p:spPr>
           <a:xfrm>
             <a:off x="685800" y="4343400"/>
-            <a:ext cx="5481360" cy="4109760"/>
+            <a:ext cx="5481000" cy="4109400"/>
           </a:xfrm>
           <a:prstGeom prst="rect">
             <a:avLst/>
@@ -5330,7 +5330,7 @@
         <p:spPr>
           <a:xfrm>
             <a:off x="3884760" y="8685360"/>
-            <a:ext cx="2966760" cy="452160"/>
+            <a:ext cx="2966400" cy="451800"/>
           </a:xfrm>
           <a:prstGeom prst="rect">
             <a:avLst/>
@@ -5366,7 +5366,7 @@
               </a:lnSpc>
               <a:buNone/>
             </a:pPr>
-            <a:fld id="{538A6ABE-832F-461E-AA7C-F459ED0225FD}" type="slidenum">
+            <a:fld id="{F28F7F38-F606-49DE-881B-0032AD5AE34F}" type="slidenum">
               <a:rPr b="0" lang="en-US" sz="1200" spc="-1" strike="noStrike">
                 <a:solidFill>
                   <a:srgbClr val="000000"/>
@@ -5417,7 +5417,7 @@
         <p:spPr>
           <a:xfrm>
             <a:off x="380880" y="685800"/>
-            <a:ext cx="6090840" cy="3423960"/>
+            <a:ext cx="6090480" cy="3423600"/>
           </a:xfrm>
           <a:prstGeom prst="rect">
             <a:avLst/>
@@ -5440,7 +5440,7 @@
         <p:spPr>
           <a:xfrm>
             <a:off x="685800" y="4343400"/>
-            <a:ext cx="5481360" cy="4109760"/>
+            <a:ext cx="5481000" cy="4109400"/>
           </a:xfrm>
           <a:prstGeom prst="rect">
             <a:avLst/>
@@ -5474,7 +5474,7 @@
         <p:spPr>
           <a:xfrm>
             <a:off x="3884760" y="8685360"/>
-            <a:ext cx="2966760" cy="452160"/>
+            <a:ext cx="2966400" cy="451800"/>
           </a:xfrm>
           <a:prstGeom prst="rect">
             <a:avLst/>
@@ -5510,7 +5510,7 @@
               </a:lnSpc>
               <a:buNone/>
             </a:pPr>
-            <a:fld id="{5ABFA09D-AC06-4556-A6D1-BAEA4182FC57}" type="slidenum">
+            <a:fld id="{A97F632C-1227-4DDA-9224-A1482A77C445}" type="slidenum">
               <a:rPr b="0" lang="en-US" sz="1200" spc="-1" strike="noStrike">
                 <a:solidFill>
                   <a:srgbClr val="000000"/>
@@ -5561,7 +5561,7 @@
         <p:spPr>
           <a:xfrm>
             <a:off x="380880" y="685800"/>
-            <a:ext cx="6090840" cy="3423960"/>
+            <a:ext cx="6090480" cy="3423600"/>
           </a:xfrm>
           <a:prstGeom prst="rect">
             <a:avLst/>
@@ -5584,7 +5584,7 @@
         <p:spPr>
           <a:xfrm>
             <a:off x="685800" y="4343400"/>
-            <a:ext cx="5481360" cy="4109760"/>
+            <a:ext cx="5481000" cy="4109400"/>
           </a:xfrm>
           <a:prstGeom prst="rect">
             <a:avLst/>
@@ -5618,7 +5618,7 @@
         <p:spPr>
           <a:xfrm>
             <a:off x="3884760" y="8685360"/>
-            <a:ext cx="2966760" cy="452160"/>
+            <a:ext cx="2966400" cy="451800"/>
           </a:xfrm>
           <a:prstGeom prst="rect">
             <a:avLst/>
@@ -5654,7 +5654,7 @@
               </a:lnSpc>
               <a:buNone/>
             </a:pPr>
-            <a:fld id="{03F53F29-6A8B-412D-B5BC-CF4616783270}" type="slidenum">
+            <a:fld id="{A1D490CF-BCEB-4877-B712-F09B0E02C3D0}" type="slidenum">
               <a:rPr b="0" lang="en-US" sz="1200" spc="-1" strike="noStrike">
                 <a:solidFill>
                   <a:srgbClr val="000000"/>
@@ -5705,7 +5705,7 @@
         <p:spPr>
           <a:xfrm>
             <a:off x="380880" y="685800"/>
-            <a:ext cx="6090840" cy="3423960"/>
+            <a:ext cx="6090480" cy="3423600"/>
           </a:xfrm>
           <a:prstGeom prst="rect">
             <a:avLst/>
@@ -5728,7 +5728,7 @@
         <p:spPr>
           <a:xfrm>
             <a:off x="685800" y="4343400"/>
-            <a:ext cx="5481360" cy="4109760"/>
+            <a:ext cx="5481000" cy="4109400"/>
           </a:xfrm>
           <a:prstGeom prst="rect">
             <a:avLst/>
@@ -5762,7 +5762,7 @@
         <p:spPr>
           <a:xfrm>
             <a:off x="3884760" y="8685360"/>
-            <a:ext cx="2966760" cy="452160"/>
+            <a:ext cx="2966400" cy="451800"/>
           </a:xfrm>
           <a:prstGeom prst="rect">
             <a:avLst/>
@@ -5798,7 +5798,7 @@
               </a:lnSpc>
               <a:buNone/>
             </a:pPr>
-            <a:fld id="{701DB18C-7611-4204-BAF2-8B62F144D2A6}" type="slidenum">
+            <a:fld id="{CF37A461-58DC-45CA-9C24-7EBF273733DB}" type="slidenum">
               <a:rPr b="0" lang="en-US" sz="1200" spc="-1" strike="noStrike">
                 <a:solidFill>
                   <a:srgbClr val="000000"/>
@@ -5870,7 +5870,7 @@
         <p:txBody>
           <a:bodyPr/>
           <a:p>
-            <a:fld id="{EAA3598A-7136-459A-A244-B9939849BE13}" type="slidenum">
+            <a:fld id="{2CD36F06-EE6B-44C4-9175-D9FAF281344F}" type="slidenum">
               <a:t>&lt;#&gt;</a:t>
             </a:fld>
           </a:p>
@@ -6058,7 +6058,7 @@
         <p:txBody>
           <a:bodyPr/>
           <a:p>
-            <a:fld id="{C99DB932-75F9-448A-8E18-78900BE6F206}" type="slidenum">
+            <a:fld id="{4121B639-83D8-4A22-ACB3-48EB499B524E}" type="slidenum">
               <a:t>&lt;#&gt;</a:t>
             </a:fld>
           </a:p>
@@ -6314,7 +6314,7 @@
         <p:txBody>
           <a:bodyPr/>
           <a:p>
-            <a:fld id="{9CA694F4-2F27-4AD5-B6CB-1F76A0940EC1}" type="slidenum">
+            <a:fld id="{AB854BAE-7B26-44A4-A7E9-DE4BBABD1704}" type="slidenum">
               <a:t>&lt;#&gt;</a:t>
             </a:fld>
           </a:p>
@@ -6638,7 +6638,7 @@
         <p:txBody>
           <a:bodyPr/>
           <a:p>
-            <a:fld id="{EFA40C85-BB09-4012-AC6E-C2BB69DF37A4}" type="slidenum">
+            <a:fld id="{4EC6C6FD-C7BD-4F1B-8DFE-25BE721BADBD}" type="slidenum">
               <a:t>&lt;#&gt;</a:t>
             </a:fld>
           </a:p>
@@ -6795,7 +6795,7 @@
         <p:txBody>
           <a:bodyPr/>
           <a:p>
-            <a:fld id="{B5D9BE41-8298-4813-9C23-2D26DB484049}" type="slidenum">
+            <a:fld id="{D01614EE-EFF8-4888-B64B-097B0E357CD7}" type="slidenum">
               <a:t>&lt;#&gt;</a:t>
             </a:fld>
           </a:p>
@@ -6949,7 +6949,7 @@
         <p:txBody>
           <a:bodyPr/>
           <a:p>
-            <a:fld id="{91299A3E-E822-4C3D-A44A-2261DE26655D}" type="slidenum">
+            <a:fld id="{084BC926-C362-48D1-964E-F0A8E65A5D5D}" type="slidenum">
               <a:t>&lt;#&gt;</a:t>
             </a:fld>
           </a:p>
@@ -7137,7 +7137,7 @@
         <p:txBody>
           <a:bodyPr/>
           <a:p>
-            <a:fld id="{BF531129-5066-4538-95E3-BECA40B925EC}" type="slidenum">
+            <a:fld id="{579C1F93-EB47-416D-BB35-4732C9AEA7BD}" type="slidenum">
               <a:t>&lt;#&gt;</a:t>
             </a:fld>
           </a:p>
@@ -7257,7 +7257,7 @@
         <p:txBody>
           <a:bodyPr/>
           <a:p>
-            <a:fld id="{3603D7B4-64C9-49D9-9BE9-0F1E61B1DE7E}" type="slidenum">
+            <a:fld id="{6447D99C-2E5B-495C-8706-142C31E18007}" type="slidenum">
               <a:t>&lt;#&gt;</a:t>
             </a:fld>
           </a:p>
@@ -7377,7 +7377,7 @@
         <p:txBody>
           <a:bodyPr/>
           <a:p>
-            <a:fld id="{C2D9B073-9E13-4C93-A226-5305DA498249}" type="slidenum">
+            <a:fld id="{A691D574-CB4C-45E0-9A0C-579D3D865FF9}" type="slidenum">
               <a:t>&lt;#&gt;</a:t>
             </a:fld>
           </a:p>
@@ -7599,7 +7599,7 @@
         <p:txBody>
           <a:bodyPr/>
           <a:p>
-            <a:fld id="{5092FB90-C7D7-4E75-9030-79BB4F853DF1}" type="slidenum">
+            <a:fld id="{2A957748-1E34-4EE3-8876-7586FEDFD0EC}" type="slidenum">
               <a:t>&lt;#&gt;</a:t>
             </a:fld>
           </a:p>
@@ -7821,7 +7821,7 @@
         <p:txBody>
           <a:bodyPr/>
           <a:p>
-            <a:fld id="{8BE924D5-D140-457E-98D0-DC098BCCDE20}" type="slidenum">
+            <a:fld id="{8A960F92-0486-4C5F-9C8B-149556DDF3F6}" type="slidenum">
               <a:t>&lt;#&gt;</a:t>
             </a:fld>
           </a:p>
@@ -8043,7 +8043,7 @@
         <p:txBody>
           <a:bodyPr/>
           <a:p>
-            <a:fld id="{26A6E992-1D6C-4EE5-BE04-71D11910572A}" type="slidenum">
+            <a:fld id="{8A47D705-9357-4F50-8BF8-6BB9500C7C85}" type="slidenum">
               <a:t>&lt;#&gt;</a:t>
             </a:fld>
           </a:p>
@@ -8112,7 +8112,7 @@
         <p:spPr>
           <a:xfrm>
             <a:off x="3028680" y="4771440"/>
-            <a:ext cx="3081600" cy="269640"/>
+            <a:ext cx="3081240" cy="269280"/>
           </a:xfrm>
           <a:prstGeom prst="rect">
             <a:avLst/>
@@ -8156,7 +8156,7 @@
                 <a:latin typeface="Times New Roman"/>
                 <a:ea typeface="DejaVu Sans"/>
               </a:rPr>
-              <a:t> </a:t>
+              <a:t>&lt;footer&gt;</a:t>
             </a:r>
             <a:endParaRPr b="0" lang="en-US" sz="1400" spc="-1" strike="noStrike">
               <a:latin typeface="Times New Roman"/>
@@ -8177,7 +8177,7 @@
         <p:spPr>
           <a:xfrm>
             <a:off x="6457680" y="4771440"/>
-            <a:ext cx="2053080" cy="269640"/>
+            <a:ext cx="2052720" cy="269280"/>
           </a:xfrm>
           <a:prstGeom prst="rect">
             <a:avLst/>
@@ -8213,7 +8213,7 @@
               </a:lnSpc>
               <a:buNone/>
             </a:pPr>
-            <a:fld id="{69F7391B-5AE1-4246-9C4F-AF11873E1CE3}" type="slidenum">
+            <a:fld id="{164C4D61-2B07-46A3-A697-ECCBF47EE92A}" type="slidenum">
               <a:rPr b="0" lang="en-US" sz="1200" spc="-1" strike="noStrike">
                 <a:solidFill>
                   <a:srgbClr val="8b8b8b"/>
@@ -8221,7 +8221,7 @@
                 <a:latin typeface="Calibri"/>
                 <a:ea typeface="DejaVu Sans"/>
               </a:rPr>
-              <a:t>37</a:t>
+              <a:t>&lt;number&gt;</a:t>
             </a:fld>
             <a:endParaRPr b="0" lang="en-US" sz="1200" spc="-1" strike="noStrike">
               <a:latin typeface="Times New Roman"/>
@@ -8242,7 +8242,7 @@
         <p:spPr>
           <a:xfrm>
             <a:off x="628200" y="4771440"/>
-            <a:ext cx="2053080" cy="269640"/>
+            <a:ext cx="2052720" cy="269280"/>
           </a:xfrm>
           <a:prstGeom prst="rect">
             <a:avLst/>
@@ -8268,7 +8268,7 @@
               <a:rPr b="0" lang="en-US" sz="1400" spc="-1" strike="noStrike">
                 <a:latin typeface="Times New Roman"/>
               </a:rPr>
-              <a:t> </a:t>
+              <a:t>&lt;date/time&gt;</a:t>
             </a:r>
             <a:endParaRPr b="0" lang="en-US" sz="1400" spc="-1" strike="noStrike">
               <a:latin typeface="Times New Roman"/>
@@ -8554,8 +8554,8 @@
         </p:nvSpPr>
         <p:spPr>
           <a:xfrm rot="2744400">
-            <a:off x="-280080" y="-25560"/>
-            <a:ext cx="703800" cy="703440"/>
+            <a:off x="-279720" y="-25560"/>
+            <a:ext cx="703440" cy="703080"/>
           </a:xfrm>
           <a:prstGeom prst="roundRect">
             <a:avLst>
@@ -8592,8 +8592,8 @@
         </p:nvSpPr>
         <p:spPr>
           <a:xfrm rot="2625600">
-            <a:off x="6024960" y="4332600"/>
-            <a:ext cx="467640" cy="467640"/>
+            <a:off x="6024960" y="4332240"/>
+            <a:ext cx="467280" cy="467280"/>
           </a:xfrm>
           <a:prstGeom prst="roundRect">
             <a:avLst>
@@ -8630,8 +8630,8 @@
         </p:nvSpPr>
         <p:spPr>
           <a:xfrm rot="18679200">
-            <a:off x="7003440" y="948600"/>
-            <a:ext cx="4939200" cy="4665600"/>
+            <a:off x="7003080" y="948600"/>
+            <a:ext cx="4938840" cy="4665240"/>
           </a:xfrm>
           <a:prstGeom prst="roundRect">
             <a:avLst>
@@ -8669,7 +8669,7 @@
         <p:spPr>
           <a:xfrm>
             <a:off x="459720" y="4671360"/>
-            <a:ext cx="2994840" cy="265680"/>
+            <a:ext cx="2994480" cy="265320"/>
           </a:xfrm>
           <a:prstGeom prst="rect">
             <a:avLst/>
@@ -8734,8 +8734,8 @@
         </p:blipFill>
         <p:spPr>
           <a:xfrm>
-            <a:off x="2423160" y="4671720"/>
-            <a:ext cx="287280" cy="287280"/>
+            <a:off x="3035160" y="4743720"/>
+            <a:ext cx="286920" cy="286920"/>
           </a:xfrm>
           <a:prstGeom prst="rect">
             <a:avLst/>
@@ -8754,7 +8754,7 @@
         <p:spPr>
           <a:xfrm>
             <a:off x="484920" y="1681560"/>
-            <a:ext cx="5480280" cy="1881720"/>
+            <a:ext cx="5479920" cy="1881360"/>
           </a:xfrm>
           <a:prstGeom prst="rect">
             <a:avLst/>
@@ -8842,8 +8842,8 @@
         </p:nvSpPr>
         <p:spPr>
           <a:xfrm rot="2744400">
-            <a:off x="-280080" y="-25560"/>
-            <a:ext cx="703800" cy="703440"/>
+            <a:off x="-279720" y="-25560"/>
+            <a:ext cx="703440" cy="703080"/>
           </a:xfrm>
           <a:prstGeom prst="roundRect">
             <a:avLst>
@@ -8881,7 +8881,7 @@
         <p:spPr>
           <a:xfrm rot="2332200">
             <a:off x="6009120" y="-319680"/>
-            <a:ext cx="4854960" cy="7725960"/>
+            <a:ext cx="4854600" cy="7725600"/>
           </a:xfrm>
           <a:prstGeom prst="roundRect">
             <a:avLst>
@@ -8919,9 +8919,9 @@
         <p:grpSpPr>
           <a:xfrm>
             <a:off x="4571640" y="828000"/>
-            <a:ext cx="4467600" cy="3563640"/>
+            <a:ext cx="4467240" cy="3563280"/>
             <a:chOff x="4571640" y="828000"/>
-            <a:chExt cx="4467600" cy="3563640"/>
+            <a:chExt cx="4467240" cy="3563280"/>
           </a:xfrm>
         </p:grpSpPr>
         <p:pic>
@@ -8937,7 +8937,7 @@
           <p:spPr>
             <a:xfrm>
               <a:off x="4571640" y="828000"/>
-              <a:ext cx="4467600" cy="3563640"/>
+              <a:ext cx="4467240" cy="3563280"/>
             </a:xfrm>
             <a:prstGeom prst="rect">
               <a:avLst/>
@@ -8955,8 +8955,8 @@
           </p:nvSpPr>
           <p:spPr>
             <a:xfrm rot="16200000">
-              <a:off x="5962680" y="1159560"/>
-              <a:ext cx="1736640" cy="2770560"/>
+              <a:off x="5962680" y="1159920"/>
+              <a:ext cx="1736280" cy="2770200"/>
             </a:xfrm>
             <a:prstGeom prst="roundRect">
               <a:avLst>
@@ -9023,7 +9023,7 @@
         <p:spPr>
           <a:xfrm>
             <a:off x="5446080" y="1672200"/>
-            <a:ext cx="2770200" cy="1736640"/>
+            <a:ext cx="2769840" cy="1736280"/>
           </a:xfrm>
           <a:prstGeom prst="rect">
             <a:avLst/>
@@ -9075,7 +9075,7 @@
         <p:spPr>
           <a:xfrm>
             <a:off x="586440" y="1246680"/>
-            <a:ext cx="4003560" cy="3599280"/>
+            <a:ext cx="4003200" cy="3598920"/>
           </a:xfrm>
           <a:prstGeom prst="rect">
             <a:avLst/>
@@ -9127,7 +9127,7 @@
         <p:spPr>
           <a:xfrm>
             <a:off x="586440" y="453960"/>
-            <a:ext cx="4763520" cy="854640"/>
+            <a:ext cx="4763160" cy="854280"/>
           </a:xfrm>
           <a:prstGeom prst="rect">
             <a:avLst/>
@@ -9215,8 +9215,8 @@
         </p:nvSpPr>
         <p:spPr>
           <a:xfrm rot="2745600">
-            <a:off x="8349840" y="-668160"/>
-            <a:ext cx="1497600" cy="1497600"/>
+            <a:off x="8349840" y="-667800"/>
+            <a:ext cx="1497240" cy="1497240"/>
           </a:xfrm>
           <a:prstGeom prst="roundRect">
             <a:avLst>
@@ -9254,7 +9254,7 @@
         <p:spPr>
           <a:xfrm rot="2745600">
             <a:off x="7634160" y="-322200"/>
-            <a:ext cx="806400" cy="806760"/>
+            <a:ext cx="806040" cy="806400"/>
           </a:xfrm>
           <a:prstGeom prst="roundRect">
             <a:avLst>
@@ -9293,7 +9293,7 @@
         <p:spPr>
           <a:xfrm>
             <a:off x="586440" y="899640"/>
-            <a:ext cx="7931160" cy="1536480"/>
+            <a:ext cx="7930800" cy="1536120"/>
           </a:xfrm>
           <a:prstGeom prst="rect">
             <a:avLst/>
@@ -9345,7 +9345,7 @@
         <p:spPr>
           <a:xfrm>
             <a:off x="608040" y="2545560"/>
-            <a:ext cx="3711600" cy="2255040"/>
+            <a:ext cx="3711240" cy="2254680"/>
           </a:xfrm>
           <a:prstGeom prst="rect">
             <a:avLst/>
@@ -9397,7 +9397,7 @@
         <p:spPr>
           <a:xfrm>
             <a:off x="4806360" y="2545560"/>
-            <a:ext cx="3711600" cy="2255040"/>
+            <a:ext cx="3711240" cy="2254680"/>
           </a:xfrm>
           <a:prstGeom prst="rect">
             <a:avLst/>
@@ -9449,7 +9449,7 @@
         <p:spPr>
           <a:xfrm>
             <a:off x="583200" y="450720"/>
-            <a:ext cx="7197480" cy="511560"/>
+            <a:ext cx="7197120" cy="511200"/>
           </a:xfrm>
           <a:prstGeom prst="rect">
             <a:avLst/>
@@ -9531,7 +9531,7 @@
         <p:spPr>
           <a:xfrm>
             <a:off x="586440" y="1246680"/>
-            <a:ext cx="4003560" cy="3599280"/>
+            <a:ext cx="4003200" cy="3598920"/>
           </a:xfrm>
           <a:prstGeom prst="rect">
             <a:avLst/>
@@ -9583,7 +9583,7 @@
         <p:spPr>
           <a:xfrm>
             <a:off x="559800" y="446040"/>
-            <a:ext cx="4282920" cy="682920"/>
+            <a:ext cx="4282560" cy="682560"/>
           </a:xfrm>
           <a:prstGeom prst="rect">
             <a:avLst/>
@@ -9635,7 +9635,7 @@
         <p:spPr>
           <a:xfrm>
             <a:off x="5097600" y="360"/>
-            <a:ext cx="4379040" cy="5143320"/>
+            <a:ext cx="4378680" cy="5142960"/>
           </a:xfrm>
           <a:prstGeom prst="roundRect">
             <a:avLst>
@@ -9700,8 +9700,8 @@
         </p:nvSpPr>
         <p:spPr>
           <a:xfrm rot="2744400">
-            <a:off x="-280080" y="-25560"/>
-            <a:ext cx="703800" cy="703440"/>
+            <a:off x="-279720" y="-25560"/>
+            <a:ext cx="703440" cy="703080"/>
           </a:xfrm>
           <a:prstGeom prst="roundRect">
             <a:avLst>
@@ -9738,8 +9738,8 @@
         </p:nvSpPr>
         <p:spPr>
           <a:xfrm rot="2625600">
-            <a:off x="4861080" y="4146480"/>
-            <a:ext cx="467640" cy="467640"/>
+            <a:off x="4861080" y="4146120"/>
+            <a:ext cx="467280" cy="467280"/>
           </a:xfrm>
           <a:prstGeom prst="roundRect">
             <a:avLst>
@@ -9813,8 +9813,8 @@
         </p:nvSpPr>
         <p:spPr>
           <a:xfrm rot="2744400">
-            <a:off x="-349200" y="4539600"/>
-            <a:ext cx="703800" cy="703440"/>
+            <a:off x="-348840" y="4539240"/>
+            <a:ext cx="703440" cy="703080"/>
           </a:xfrm>
           <a:prstGeom prst="roundRect">
             <a:avLst>
@@ -9851,8 +9851,8 @@
         </p:nvSpPr>
         <p:spPr>
           <a:xfrm rot="19228200">
-            <a:off x="5845680" y="-2265840"/>
-            <a:ext cx="4854600" cy="7725600"/>
+            <a:off x="5845680" y="-2265480"/>
+            <a:ext cx="4854240" cy="7725240"/>
           </a:xfrm>
           <a:prstGeom prst="roundRect">
             <a:avLst>
@@ -9890,9 +9890,9 @@
         <p:grpSpPr>
           <a:xfrm>
             <a:off x="4571640" y="828000"/>
-            <a:ext cx="4467600" cy="3563640"/>
+            <a:ext cx="4467240" cy="3563280"/>
             <a:chOff x="4571640" y="828000"/>
-            <a:chExt cx="4467600" cy="3563640"/>
+            <a:chExt cx="4467240" cy="3563280"/>
           </a:xfrm>
         </p:grpSpPr>
         <p:pic>
@@ -9908,7 +9908,7 @@
           <p:spPr>
             <a:xfrm>
               <a:off x="4571640" y="828000"/>
-              <a:ext cx="4467600" cy="3563640"/>
+              <a:ext cx="4467240" cy="3563280"/>
             </a:xfrm>
             <a:prstGeom prst="rect">
               <a:avLst/>
@@ -9926,8 +9926,8 @@
           </p:nvSpPr>
           <p:spPr>
             <a:xfrm rot="16200000">
-              <a:off x="5962680" y="1159560"/>
-              <a:ext cx="1736640" cy="2770560"/>
+              <a:off x="5962680" y="1159920"/>
+              <a:ext cx="1736280" cy="2770200"/>
             </a:xfrm>
             <a:prstGeom prst="roundRect">
               <a:avLst>
@@ -9994,7 +9994,7 @@
         <p:spPr>
           <a:xfrm>
             <a:off x="586440" y="1246680"/>
-            <a:ext cx="4003560" cy="3599280"/>
+            <a:ext cx="4003200" cy="3598920"/>
           </a:xfrm>
           <a:prstGeom prst="rect">
             <a:avLst/>
@@ -10046,7 +10046,7 @@
         <p:spPr>
           <a:xfrm>
             <a:off x="5446080" y="1672200"/>
-            <a:ext cx="2779560" cy="1736640"/>
+            <a:ext cx="2779200" cy="1736280"/>
           </a:xfrm>
           <a:prstGeom prst="rect">
             <a:avLst/>
@@ -10098,7 +10098,7 @@
         <p:spPr>
           <a:xfrm>
             <a:off x="586440" y="453960"/>
-            <a:ext cx="3696120" cy="854640"/>
+            <a:ext cx="3695760" cy="854280"/>
           </a:xfrm>
           <a:prstGeom prst="rect">
             <a:avLst/>
@@ -10187,7 +10187,7 @@
         <p:spPr>
           <a:xfrm>
             <a:off x="4222080" y="1246680"/>
-            <a:ext cx="4114440" cy="3599280"/>
+            <a:ext cx="4114080" cy="3598920"/>
           </a:xfrm>
           <a:prstGeom prst="rect">
             <a:avLst/>
@@ -10238,8 +10238,8 @@
         </p:nvSpPr>
         <p:spPr>
           <a:xfrm rot="16200000">
-            <a:off x="-2181600" y="1734120"/>
-            <a:ext cx="5143320" cy="1683360"/>
+            <a:off x="-2181600" y="1734480"/>
+            <a:ext cx="5142960" cy="1683000"/>
           </a:xfrm>
           <a:prstGeom prst="roundRect">
             <a:avLst>
@@ -10276,8 +10276,8 @@
         </p:nvSpPr>
         <p:spPr>
           <a:xfrm rot="2745000">
-            <a:off x="8575200" y="103320"/>
-            <a:ext cx="1131840" cy="1131480"/>
+            <a:off x="8575200" y="102960"/>
+            <a:ext cx="1131480" cy="1131120"/>
           </a:xfrm>
           <a:prstGeom prst="roundRect">
             <a:avLst>
@@ -10314,8 +10314,8 @@
         </p:nvSpPr>
         <p:spPr>
           <a:xfrm rot="16200000">
-            <a:off x="614880" y="919440"/>
-            <a:ext cx="3231360" cy="3313080"/>
+            <a:off x="614880" y="919800"/>
+            <a:ext cx="3231000" cy="3312720"/>
           </a:xfrm>
           <a:prstGeom prst="roundRect">
             <a:avLst>
@@ -10381,7 +10381,7 @@
         <p:spPr>
           <a:xfrm>
             <a:off x="4214160" y="456120"/>
-            <a:ext cx="4111200" cy="854640"/>
+            <a:ext cx="4110840" cy="854280"/>
           </a:xfrm>
           <a:prstGeom prst="rect">
             <a:avLst/>
@@ -10469,8 +10469,8 @@
         </p:nvSpPr>
         <p:spPr>
           <a:xfrm rot="2744400">
-            <a:off x="-280080" y="-25560"/>
-            <a:ext cx="703800" cy="703440"/>
+            <a:off x="-279720" y="-25560"/>
+            <a:ext cx="703440" cy="703080"/>
           </a:xfrm>
           <a:prstGeom prst="roundRect">
             <a:avLst>
@@ -10508,7 +10508,7 @@
         <p:spPr>
           <a:xfrm rot="2332200">
             <a:off x="6009120" y="-319680"/>
-            <a:ext cx="4854960" cy="7725960"/>
+            <a:ext cx="4854600" cy="7725600"/>
           </a:xfrm>
           <a:prstGeom prst="roundRect">
             <a:avLst>
@@ -10546,9 +10546,9 @@
         <p:grpSpPr>
           <a:xfrm>
             <a:off x="4571640" y="828000"/>
-            <a:ext cx="4467600" cy="3563640"/>
+            <a:ext cx="4467240" cy="3563280"/>
             <a:chOff x="4571640" y="828000"/>
-            <a:chExt cx="4467600" cy="3563640"/>
+            <a:chExt cx="4467240" cy="3563280"/>
           </a:xfrm>
         </p:grpSpPr>
         <p:pic>
@@ -10564,7 +10564,7 @@
           <p:spPr>
             <a:xfrm>
               <a:off x="4571640" y="828000"/>
-              <a:ext cx="4467600" cy="3563640"/>
+              <a:ext cx="4467240" cy="3563280"/>
             </a:xfrm>
             <a:prstGeom prst="rect">
               <a:avLst/>
@@ -10582,8 +10582,8 @@
           </p:nvSpPr>
           <p:spPr>
             <a:xfrm rot="16200000">
-              <a:off x="5962680" y="1159560"/>
-              <a:ext cx="1736640" cy="2770560"/>
+              <a:off x="5962680" y="1159920"/>
+              <a:ext cx="1736280" cy="2770200"/>
             </a:xfrm>
             <a:prstGeom prst="roundRect">
               <a:avLst>
@@ -10650,7 +10650,7 @@
         <p:spPr>
           <a:xfrm>
             <a:off x="5446080" y="1672200"/>
-            <a:ext cx="2770200" cy="1736640"/>
+            <a:ext cx="2769840" cy="1736280"/>
           </a:xfrm>
           <a:prstGeom prst="rect">
             <a:avLst/>
@@ -10702,7 +10702,7 @@
         <p:spPr>
           <a:xfrm>
             <a:off x="586440" y="1246680"/>
-            <a:ext cx="4003560" cy="3599280"/>
+            <a:ext cx="4003200" cy="3598920"/>
           </a:xfrm>
           <a:prstGeom prst="rect">
             <a:avLst/>
@@ -10754,7 +10754,7 @@
         <p:spPr>
           <a:xfrm>
             <a:off x="586440" y="453960"/>
-            <a:ext cx="4763520" cy="854640"/>
+            <a:ext cx="4763160" cy="854280"/>
           </a:xfrm>
           <a:prstGeom prst="rect">
             <a:avLst/>
@@ -10842,8 +10842,8 @@
         </p:nvSpPr>
         <p:spPr>
           <a:xfrm rot="2745600">
-            <a:off x="8349840" y="-668160"/>
-            <a:ext cx="1497600" cy="1497600"/>
+            <a:off x="8349840" y="-667800"/>
+            <a:ext cx="1497240" cy="1497240"/>
           </a:xfrm>
           <a:prstGeom prst="roundRect">
             <a:avLst>
@@ -10881,7 +10881,7 @@
         <p:spPr>
           <a:xfrm rot="2745600">
             <a:off x="7634160" y="-322200"/>
-            <a:ext cx="806400" cy="806760"/>
+            <a:ext cx="806040" cy="806400"/>
           </a:xfrm>
           <a:prstGeom prst="roundRect">
             <a:avLst>
@@ -10920,7 +10920,7 @@
         <p:spPr>
           <a:xfrm>
             <a:off x="586440" y="899640"/>
-            <a:ext cx="7931160" cy="1536480"/>
+            <a:ext cx="7930800" cy="1536120"/>
           </a:xfrm>
           <a:prstGeom prst="rect">
             <a:avLst/>
@@ -10972,7 +10972,7 @@
         <p:spPr>
           <a:xfrm>
             <a:off x="608040" y="2545560"/>
-            <a:ext cx="3711600" cy="2255040"/>
+            <a:ext cx="3711240" cy="2254680"/>
           </a:xfrm>
           <a:prstGeom prst="rect">
             <a:avLst/>
@@ -11024,7 +11024,7 @@
         <p:spPr>
           <a:xfrm>
             <a:off x="4806360" y="2545560"/>
-            <a:ext cx="3711600" cy="2255040"/>
+            <a:ext cx="3711240" cy="2254680"/>
           </a:xfrm>
           <a:prstGeom prst="rect">
             <a:avLst/>
@@ -11076,7 +11076,7 @@
         <p:spPr>
           <a:xfrm>
             <a:off x="583200" y="450720"/>
-            <a:ext cx="7197480" cy="511560"/>
+            <a:ext cx="7197120" cy="511200"/>
           </a:xfrm>
           <a:prstGeom prst="rect">
             <a:avLst/>
@@ -11158,7 +11158,7 @@
         <p:spPr>
           <a:xfrm>
             <a:off x="586440" y="1246680"/>
-            <a:ext cx="4003560" cy="3599280"/>
+            <a:ext cx="4003200" cy="3598920"/>
           </a:xfrm>
           <a:prstGeom prst="rect">
             <a:avLst/>
@@ -11210,7 +11210,7 @@
         <p:spPr>
           <a:xfrm>
             <a:off x="559800" y="446040"/>
-            <a:ext cx="4282920" cy="682920"/>
+            <a:ext cx="4282560" cy="682560"/>
           </a:xfrm>
           <a:prstGeom prst="rect">
             <a:avLst/>
@@ -11262,7 +11262,7 @@
         <p:spPr>
           <a:xfrm>
             <a:off x="5097600" y="360"/>
-            <a:ext cx="4379040" cy="5143320"/>
+            <a:ext cx="4378680" cy="5142960"/>
           </a:xfrm>
           <a:prstGeom prst="roundRect">
             <a:avLst>
@@ -11327,8 +11327,8 @@
         </p:nvSpPr>
         <p:spPr>
           <a:xfrm rot="2744400">
-            <a:off x="-280080" y="-25560"/>
-            <a:ext cx="703800" cy="703440"/>
+            <a:off x="-279720" y="-25560"/>
+            <a:ext cx="703440" cy="703080"/>
           </a:xfrm>
           <a:prstGeom prst="roundRect">
             <a:avLst>
@@ -11365,8 +11365,8 @@
         </p:nvSpPr>
         <p:spPr>
           <a:xfrm rot="2625600">
-            <a:off x="4861080" y="4146480"/>
-            <a:ext cx="467640" cy="467640"/>
+            <a:off x="4861080" y="4146120"/>
+            <a:ext cx="467280" cy="467280"/>
           </a:xfrm>
           <a:prstGeom prst="roundRect">
             <a:avLst>
@@ -11440,8 +11440,8 @@
         </p:nvSpPr>
         <p:spPr>
           <a:xfrm rot="2744400">
-            <a:off x="-349200" y="4539600"/>
-            <a:ext cx="703800" cy="703440"/>
+            <a:off x="-348840" y="4539240"/>
+            <a:ext cx="703440" cy="703080"/>
           </a:xfrm>
           <a:prstGeom prst="roundRect">
             <a:avLst>
@@ -11478,8 +11478,8 @@
         </p:nvSpPr>
         <p:spPr>
           <a:xfrm rot="19228200">
-            <a:off x="5845680" y="-2265840"/>
-            <a:ext cx="4854600" cy="7725600"/>
+            <a:off x="5845680" y="-2265480"/>
+            <a:ext cx="4854240" cy="7725240"/>
           </a:xfrm>
           <a:prstGeom prst="roundRect">
             <a:avLst>
@@ -11517,9 +11517,9 @@
         <p:grpSpPr>
           <a:xfrm>
             <a:off x="4571640" y="828000"/>
-            <a:ext cx="4467600" cy="3563640"/>
+            <a:ext cx="4467240" cy="3563280"/>
             <a:chOff x="4571640" y="828000"/>
-            <a:chExt cx="4467600" cy="3563640"/>
+            <a:chExt cx="4467240" cy="3563280"/>
           </a:xfrm>
         </p:grpSpPr>
         <p:pic>
@@ -11535,7 +11535,7 @@
           <p:spPr>
             <a:xfrm>
               <a:off x="4571640" y="828000"/>
-              <a:ext cx="4467600" cy="3563640"/>
+              <a:ext cx="4467240" cy="3563280"/>
             </a:xfrm>
             <a:prstGeom prst="rect">
               <a:avLst/>
@@ -11553,8 +11553,8 @@
           </p:nvSpPr>
           <p:spPr>
             <a:xfrm rot="16200000">
-              <a:off x="5962680" y="1159560"/>
-              <a:ext cx="1736640" cy="2770560"/>
+              <a:off x="5962680" y="1159920"/>
+              <a:ext cx="1736280" cy="2770200"/>
             </a:xfrm>
             <a:prstGeom prst="roundRect">
               <a:avLst>
@@ -11621,7 +11621,7 @@
         <p:spPr>
           <a:xfrm>
             <a:off x="586440" y="1246680"/>
-            <a:ext cx="4003560" cy="3599280"/>
+            <a:ext cx="4003200" cy="3598920"/>
           </a:xfrm>
           <a:prstGeom prst="rect">
             <a:avLst/>
@@ -11673,7 +11673,7 @@
         <p:spPr>
           <a:xfrm>
             <a:off x="5446080" y="1672200"/>
-            <a:ext cx="2779560" cy="1736640"/>
+            <a:ext cx="2779200" cy="1736280"/>
           </a:xfrm>
           <a:prstGeom prst="rect">
             <a:avLst/>
@@ -11725,7 +11725,7 @@
         <p:spPr>
           <a:xfrm>
             <a:off x="586440" y="453960"/>
-            <a:ext cx="3696120" cy="854640"/>
+            <a:ext cx="3695760" cy="854280"/>
           </a:xfrm>
           <a:prstGeom prst="rect">
             <a:avLst/>
@@ -11814,7 +11814,7 @@
         <p:spPr>
           <a:xfrm>
             <a:off x="4222080" y="1246680"/>
-            <a:ext cx="4114440" cy="3599280"/>
+            <a:ext cx="4114080" cy="3598920"/>
           </a:xfrm>
           <a:prstGeom prst="rect">
             <a:avLst/>
@@ -11865,8 +11865,8 @@
         </p:nvSpPr>
         <p:spPr>
           <a:xfrm rot="16200000">
-            <a:off x="-2181600" y="1734120"/>
-            <a:ext cx="5143320" cy="1683360"/>
+            <a:off x="-2181600" y="1734480"/>
+            <a:ext cx="5142960" cy="1683000"/>
           </a:xfrm>
           <a:prstGeom prst="roundRect">
             <a:avLst>
@@ -11903,8 +11903,8 @@
         </p:nvSpPr>
         <p:spPr>
           <a:xfrm rot="2745000">
-            <a:off x="8575200" y="103320"/>
-            <a:ext cx="1131840" cy="1131480"/>
+            <a:off x="8575200" y="102960"/>
+            <a:ext cx="1131480" cy="1131120"/>
           </a:xfrm>
           <a:prstGeom prst="roundRect">
             <a:avLst>
@@ -11941,8 +11941,8 @@
         </p:nvSpPr>
         <p:spPr>
           <a:xfrm rot="16200000">
-            <a:off x="614880" y="919440"/>
-            <a:ext cx="3231360" cy="3313080"/>
+            <a:off x="614880" y="919800"/>
+            <a:ext cx="3231000" cy="3312720"/>
           </a:xfrm>
           <a:prstGeom prst="roundRect">
             <a:avLst>
@@ -12008,7 +12008,7 @@
         <p:spPr>
           <a:xfrm>
             <a:off x="4214160" y="456120"/>
-            <a:ext cx="4111200" cy="854640"/>
+            <a:ext cx="4110840" cy="854280"/>
           </a:xfrm>
           <a:prstGeom prst="rect">
             <a:avLst/>
@@ -12090,7 +12090,7 @@
         <p:spPr>
           <a:xfrm>
             <a:off x="586440" y="1246680"/>
-            <a:ext cx="4003560" cy="3599280"/>
+            <a:ext cx="4003200" cy="3598920"/>
           </a:xfrm>
           <a:prstGeom prst="rect">
             <a:avLst/>
@@ -12142,7 +12142,7 @@
         <p:spPr>
           <a:xfrm>
             <a:off x="559800" y="446040"/>
-            <a:ext cx="4282920" cy="682920"/>
+            <a:ext cx="4282560" cy="682560"/>
           </a:xfrm>
           <a:prstGeom prst="rect">
             <a:avLst/>
@@ -12194,7 +12194,7 @@
         <p:spPr>
           <a:xfrm>
             <a:off x="5097600" y="360"/>
-            <a:ext cx="4379040" cy="5143320"/>
+            <a:ext cx="4378680" cy="5142960"/>
           </a:xfrm>
           <a:prstGeom prst="roundRect">
             <a:avLst>
@@ -12259,8 +12259,8 @@
         </p:nvSpPr>
         <p:spPr>
           <a:xfrm rot="2744400">
-            <a:off x="-280080" y="-25560"/>
-            <a:ext cx="703800" cy="703440"/>
+            <a:off x="-279720" y="-25560"/>
+            <a:ext cx="703440" cy="703080"/>
           </a:xfrm>
           <a:prstGeom prst="roundRect">
             <a:avLst>
@@ -12297,8 +12297,8 @@
         </p:nvSpPr>
         <p:spPr>
           <a:xfrm rot="2625600">
-            <a:off x="4861080" y="4146480"/>
-            <a:ext cx="467640" cy="467640"/>
+            <a:off x="4861080" y="4146120"/>
+            <a:ext cx="467280" cy="467280"/>
           </a:xfrm>
           <a:prstGeom prst="roundRect">
             <a:avLst>
@@ -12372,8 +12372,8 @@
         </p:nvSpPr>
         <p:spPr>
           <a:xfrm rot="2744400">
-            <a:off x="-280080" y="-25560"/>
-            <a:ext cx="703800" cy="703440"/>
+            <a:off x="-279720" y="-25560"/>
+            <a:ext cx="703440" cy="703080"/>
           </a:xfrm>
           <a:prstGeom prst="roundRect">
             <a:avLst>
@@ -12411,7 +12411,7 @@
         <p:spPr>
           <a:xfrm rot="2332200">
             <a:off x="6009120" y="-319680"/>
-            <a:ext cx="4854960" cy="7725960"/>
+            <a:ext cx="4854600" cy="7725600"/>
           </a:xfrm>
           <a:prstGeom prst="roundRect">
             <a:avLst>
@@ -12449,9 +12449,9 @@
         <p:grpSpPr>
           <a:xfrm>
             <a:off x="4571640" y="828000"/>
-            <a:ext cx="4467600" cy="3563640"/>
+            <a:ext cx="4467240" cy="3563280"/>
             <a:chOff x="4571640" y="828000"/>
-            <a:chExt cx="4467600" cy="3563640"/>
+            <a:chExt cx="4467240" cy="3563280"/>
           </a:xfrm>
         </p:grpSpPr>
         <p:pic>
@@ -12467,7 +12467,7 @@
           <p:spPr>
             <a:xfrm>
               <a:off x="4571640" y="828000"/>
-              <a:ext cx="4467600" cy="3563640"/>
+              <a:ext cx="4467240" cy="3563280"/>
             </a:xfrm>
             <a:prstGeom prst="rect">
               <a:avLst/>
@@ -12485,8 +12485,8 @@
           </p:nvSpPr>
           <p:spPr>
             <a:xfrm rot="16200000">
-              <a:off x="5962680" y="1159560"/>
-              <a:ext cx="1736640" cy="2770560"/>
+              <a:off x="5962680" y="1159920"/>
+              <a:ext cx="1736280" cy="2770200"/>
             </a:xfrm>
             <a:prstGeom prst="roundRect">
               <a:avLst>
@@ -12553,7 +12553,7 @@
         <p:spPr>
           <a:xfrm>
             <a:off x="5446080" y="1672200"/>
-            <a:ext cx="2770200" cy="1736640"/>
+            <a:ext cx="2769840" cy="1736280"/>
           </a:xfrm>
           <a:prstGeom prst="rect">
             <a:avLst/>
@@ -12605,7 +12605,7 @@
         <p:spPr>
           <a:xfrm>
             <a:off x="586440" y="1246680"/>
-            <a:ext cx="4003560" cy="3599280"/>
+            <a:ext cx="4003200" cy="3598920"/>
           </a:xfrm>
           <a:prstGeom prst="rect">
             <a:avLst/>
@@ -12657,7 +12657,7 @@
         <p:spPr>
           <a:xfrm>
             <a:off x="586440" y="453960"/>
-            <a:ext cx="4763520" cy="854640"/>
+            <a:ext cx="4763160" cy="854280"/>
           </a:xfrm>
           <a:prstGeom prst="rect">
             <a:avLst/>
@@ -12745,8 +12745,8 @@
         </p:nvSpPr>
         <p:spPr>
           <a:xfrm rot="2745600">
-            <a:off x="8349840" y="-668160"/>
-            <a:ext cx="1497600" cy="1497600"/>
+            <a:off x="8349840" y="-667800"/>
+            <a:ext cx="1497240" cy="1497240"/>
           </a:xfrm>
           <a:prstGeom prst="roundRect">
             <a:avLst>
@@ -12784,7 +12784,7 @@
         <p:spPr>
           <a:xfrm rot="2745600">
             <a:off x="7634160" y="-322200"/>
-            <a:ext cx="806400" cy="806760"/>
+            <a:ext cx="806040" cy="806400"/>
           </a:xfrm>
           <a:prstGeom prst="roundRect">
             <a:avLst>
@@ -12823,7 +12823,7 @@
         <p:spPr>
           <a:xfrm>
             <a:off x="586440" y="899640"/>
-            <a:ext cx="7931160" cy="1536480"/>
+            <a:ext cx="7930800" cy="1536120"/>
           </a:xfrm>
           <a:prstGeom prst="rect">
             <a:avLst/>
@@ -12875,7 +12875,7 @@
         <p:spPr>
           <a:xfrm>
             <a:off x="608040" y="2545560"/>
-            <a:ext cx="3711600" cy="2255040"/>
+            <a:ext cx="3711240" cy="2254680"/>
           </a:xfrm>
           <a:prstGeom prst="rect">
             <a:avLst/>
@@ -12927,7 +12927,7 @@
         <p:spPr>
           <a:xfrm>
             <a:off x="4806360" y="2545560"/>
-            <a:ext cx="3711600" cy="2255040"/>
+            <a:ext cx="3711240" cy="2254680"/>
           </a:xfrm>
           <a:prstGeom prst="rect">
             <a:avLst/>
@@ -12979,7 +12979,7 @@
         <p:spPr>
           <a:xfrm>
             <a:off x="583200" y="450720"/>
-            <a:ext cx="7197480" cy="511560"/>
+            <a:ext cx="7197120" cy="511200"/>
           </a:xfrm>
           <a:prstGeom prst="rect">
             <a:avLst/>
@@ -13061,7 +13061,7 @@
         <p:spPr>
           <a:xfrm>
             <a:off x="586440" y="1246680"/>
-            <a:ext cx="4003560" cy="3599280"/>
+            <a:ext cx="4003200" cy="3598920"/>
           </a:xfrm>
           <a:prstGeom prst="rect">
             <a:avLst/>
@@ -13113,7 +13113,7 @@
         <p:spPr>
           <a:xfrm>
             <a:off x="559800" y="446040"/>
-            <a:ext cx="4282920" cy="682920"/>
+            <a:ext cx="4282560" cy="682560"/>
           </a:xfrm>
           <a:prstGeom prst="rect">
             <a:avLst/>
@@ -13165,7 +13165,7 @@
         <p:spPr>
           <a:xfrm>
             <a:off x="5097600" y="360"/>
-            <a:ext cx="4379040" cy="5143320"/>
+            <a:ext cx="4378680" cy="5142960"/>
           </a:xfrm>
           <a:prstGeom prst="roundRect">
             <a:avLst>
@@ -13230,8 +13230,8 @@
         </p:nvSpPr>
         <p:spPr>
           <a:xfrm rot="2744400">
-            <a:off x="-280080" y="-25560"/>
-            <a:ext cx="703800" cy="703440"/>
+            <a:off x="-279720" y="-25560"/>
+            <a:ext cx="703440" cy="703080"/>
           </a:xfrm>
           <a:prstGeom prst="roundRect">
             <a:avLst>
@@ -13268,8 +13268,8 @@
         </p:nvSpPr>
         <p:spPr>
           <a:xfrm rot="2625600">
-            <a:off x="4861080" y="4146480"/>
-            <a:ext cx="467640" cy="467640"/>
+            <a:off x="4861080" y="4146120"/>
+            <a:ext cx="467280" cy="467280"/>
           </a:xfrm>
           <a:prstGeom prst="roundRect">
             <a:avLst>
@@ -13343,8 +13343,8 @@
         </p:nvSpPr>
         <p:spPr>
           <a:xfrm rot="2744400">
-            <a:off x="-349200" y="4539600"/>
-            <a:ext cx="703800" cy="703440"/>
+            <a:off x="-348840" y="4539240"/>
+            <a:ext cx="703440" cy="703080"/>
           </a:xfrm>
           <a:prstGeom prst="roundRect">
             <a:avLst>
@@ -13381,8 +13381,8 @@
         </p:nvSpPr>
         <p:spPr>
           <a:xfrm rot="19228200">
-            <a:off x="5845680" y="-2265840"/>
-            <a:ext cx="4854600" cy="7725600"/>
+            <a:off x="5845680" y="-2265480"/>
+            <a:ext cx="4854240" cy="7725240"/>
           </a:xfrm>
           <a:prstGeom prst="roundRect">
             <a:avLst>
@@ -13420,9 +13420,9 @@
         <p:grpSpPr>
           <a:xfrm>
             <a:off x="4571640" y="828000"/>
-            <a:ext cx="4467600" cy="3563640"/>
+            <a:ext cx="4467240" cy="3563280"/>
             <a:chOff x="4571640" y="828000"/>
-            <a:chExt cx="4467600" cy="3563640"/>
+            <a:chExt cx="4467240" cy="3563280"/>
           </a:xfrm>
         </p:grpSpPr>
         <p:pic>
@@ -13438,7 +13438,7 @@
           <p:spPr>
             <a:xfrm>
               <a:off x="4571640" y="828000"/>
-              <a:ext cx="4467600" cy="3563640"/>
+              <a:ext cx="4467240" cy="3563280"/>
             </a:xfrm>
             <a:prstGeom prst="rect">
               <a:avLst/>
@@ -13456,8 +13456,8 @@
           </p:nvSpPr>
           <p:spPr>
             <a:xfrm rot="16200000">
-              <a:off x="5962680" y="1159560"/>
-              <a:ext cx="1736640" cy="2770560"/>
+              <a:off x="5962680" y="1159920"/>
+              <a:ext cx="1736280" cy="2770200"/>
             </a:xfrm>
             <a:prstGeom prst="roundRect">
               <a:avLst>
@@ -13524,7 +13524,7 @@
         <p:spPr>
           <a:xfrm>
             <a:off x="586440" y="1246680"/>
-            <a:ext cx="4003560" cy="3599280"/>
+            <a:ext cx="4003200" cy="3598920"/>
           </a:xfrm>
           <a:prstGeom prst="rect">
             <a:avLst/>
@@ -13576,7 +13576,7 @@
         <p:spPr>
           <a:xfrm>
             <a:off x="5446080" y="1672200"/>
-            <a:ext cx="2779560" cy="1736640"/>
+            <a:ext cx="2779200" cy="1736280"/>
           </a:xfrm>
           <a:prstGeom prst="rect">
             <a:avLst/>
@@ -13628,7 +13628,7 @@
         <p:spPr>
           <a:xfrm>
             <a:off x="586440" y="453960"/>
-            <a:ext cx="3696120" cy="854640"/>
+            <a:ext cx="3695760" cy="854280"/>
           </a:xfrm>
           <a:prstGeom prst="rect">
             <a:avLst/>
@@ -13717,7 +13717,7 @@
         <p:spPr>
           <a:xfrm>
             <a:off x="4222080" y="1246680"/>
-            <a:ext cx="4114440" cy="3599280"/>
+            <a:ext cx="4114080" cy="3598920"/>
           </a:xfrm>
           <a:prstGeom prst="rect">
             <a:avLst/>
@@ -13768,8 +13768,8 @@
         </p:nvSpPr>
         <p:spPr>
           <a:xfrm rot="16200000">
-            <a:off x="-2181600" y="1734120"/>
-            <a:ext cx="5143320" cy="1683360"/>
+            <a:off x="-2181600" y="1734480"/>
+            <a:ext cx="5142960" cy="1683000"/>
           </a:xfrm>
           <a:prstGeom prst="roundRect">
             <a:avLst>
@@ -13806,8 +13806,8 @@
         </p:nvSpPr>
         <p:spPr>
           <a:xfrm rot="2745000">
-            <a:off x="8575200" y="103320"/>
-            <a:ext cx="1131840" cy="1131480"/>
+            <a:off x="8575200" y="102960"/>
+            <a:ext cx="1131480" cy="1131120"/>
           </a:xfrm>
           <a:prstGeom prst="roundRect">
             <a:avLst>
@@ -13844,8 +13844,8 @@
         </p:nvSpPr>
         <p:spPr>
           <a:xfrm rot="16200000">
-            <a:off x="614880" y="919440"/>
-            <a:ext cx="3231360" cy="3313080"/>
+            <a:off x="614880" y="919800"/>
+            <a:ext cx="3231000" cy="3312720"/>
           </a:xfrm>
           <a:prstGeom prst="roundRect">
             <a:avLst>
@@ -13911,7 +13911,7 @@
         <p:spPr>
           <a:xfrm>
             <a:off x="4214160" y="456120"/>
-            <a:ext cx="4111200" cy="854640"/>
+            <a:ext cx="4110840" cy="854280"/>
           </a:xfrm>
           <a:prstGeom prst="rect">
             <a:avLst/>
@@ -13999,8 +13999,8 @@
         </p:nvSpPr>
         <p:spPr>
           <a:xfrm rot="2744400">
-            <a:off x="-280080" y="-25560"/>
-            <a:ext cx="703800" cy="703440"/>
+            <a:off x="-279720" y="-25560"/>
+            <a:ext cx="703440" cy="703080"/>
           </a:xfrm>
           <a:prstGeom prst="roundRect">
             <a:avLst>
@@ -14038,7 +14038,7 @@
         <p:spPr>
           <a:xfrm rot="2332200">
             <a:off x="6009120" y="-319680"/>
-            <a:ext cx="4854960" cy="7725960"/>
+            <a:ext cx="4854600" cy="7725600"/>
           </a:xfrm>
           <a:prstGeom prst="roundRect">
             <a:avLst>
@@ -14076,9 +14076,9 @@
         <p:grpSpPr>
           <a:xfrm>
             <a:off x="4571640" y="828000"/>
-            <a:ext cx="4467600" cy="3563640"/>
+            <a:ext cx="4467240" cy="3563280"/>
             <a:chOff x="4571640" y="828000"/>
-            <a:chExt cx="4467600" cy="3563640"/>
+            <a:chExt cx="4467240" cy="3563280"/>
           </a:xfrm>
         </p:grpSpPr>
         <p:pic>
@@ -14094,7 +14094,7 @@
           <p:spPr>
             <a:xfrm>
               <a:off x="4571640" y="828000"/>
-              <a:ext cx="4467600" cy="3563640"/>
+              <a:ext cx="4467240" cy="3563280"/>
             </a:xfrm>
             <a:prstGeom prst="rect">
               <a:avLst/>
@@ -14112,8 +14112,8 @@
           </p:nvSpPr>
           <p:spPr>
             <a:xfrm rot="16200000">
-              <a:off x="5962680" y="1159560"/>
-              <a:ext cx="1736640" cy="2770560"/>
+              <a:off x="5962680" y="1159920"/>
+              <a:ext cx="1736280" cy="2770200"/>
             </a:xfrm>
             <a:prstGeom prst="roundRect">
               <a:avLst>
@@ -14180,7 +14180,7 @@
         <p:spPr>
           <a:xfrm>
             <a:off x="5446080" y="1672200"/>
-            <a:ext cx="2770200" cy="1736640"/>
+            <a:ext cx="2769840" cy="1736280"/>
           </a:xfrm>
           <a:prstGeom prst="rect">
             <a:avLst/>
@@ -14232,7 +14232,7 @@
         <p:spPr>
           <a:xfrm>
             <a:off x="586440" y="1246680"/>
-            <a:ext cx="4003560" cy="3599280"/>
+            <a:ext cx="4003200" cy="3598920"/>
           </a:xfrm>
           <a:prstGeom prst="rect">
             <a:avLst/>
@@ -14284,7 +14284,7 @@
         <p:spPr>
           <a:xfrm>
             <a:off x="586440" y="453960"/>
-            <a:ext cx="4763520" cy="854640"/>
+            <a:ext cx="4763160" cy="854280"/>
           </a:xfrm>
           <a:prstGeom prst="rect">
             <a:avLst/>
@@ -14372,8 +14372,8 @@
         </p:nvSpPr>
         <p:spPr>
           <a:xfrm rot="2745600">
-            <a:off x="8349840" y="-668160"/>
-            <a:ext cx="1497600" cy="1497600"/>
+            <a:off x="8349840" y="-667800"/>
+            <a:ext cx="1497240" cy="1497240"/>
           </a:xfrm>
           <a:prstGeom prst="roundRect">
             <a:avLst>
@@ -14411,7 +14411,7 @@
         <p:spPr>
           <a:xfrm rot="2745600">
             <a:off x="7634160" y="-322200"/>
-            <a:ext cx="806400" cy="806760"/>
+            <a:ext cx="806040" cy="806400"/>
           </a:xfrm>
           <a:prstGeom prst="roundRect">
             <a:avLst>
@@ -14450,7 +14450,7 @@
         <p:spPr>
           <a:xfrm>
             <a:off x="586440" y="899640"/>
-            <a:ext cx="7931160" cy="1536480"/>
+            <a:ext cx="7930800" cy="1536120"/>
           </a:xfrm>
           <a:prstGeom prst="rect">
             <a:avLst/>
@@ -14502,7 +14502,7 @@
         <p:spPr>
           <a:xfrm>
             <a:off x="608040" y="2545560"/>
-            <a:ext cx="3711600" cy="2255040"/>
+            <a:ext cx="3711240" cy="2254680"/>
           </a:xfrm>
           <a:prstGeom prst="rect">
             <a:avLst/>
@@ -14554,7 +14554,7 @@
         <p:spPr>
           <a:xfrm>
             <a:off x="4806360" y="2545560"/>
-            <a:ext cx="3711600" cy="2255040"/>
+            <a:ext cx="3711240" cy="2254680"/>
           </a:xfrm>
           <a:prstGeom prst="rect">
             <a:avLst/>
@@ -14606,7 +14606,7 @@
         <p:spPr>
           <a:xfrm>
             <a:off x="583200" y="450720"/>
-            <a:ext cx="7197480" cy="511560"/>
+            <a:ext cx="7197120" cy="511200"/>
           </a:xfrm>
           <a:prstGeom prst="rect">
             <a:avLst/>
@@ -14688,7 +14688,7 @@
         <p:spPr>
           <a:xfrm>
             <a:off x="586440" y="1246680"/>
-            <a:ext cx="4003560" cy="3599280"/>
+            <a:ext cx="4003200" cy="3598920"/>
           </a:xfrm>
           <a:prstGeom prst="rect">
             <a:avLst/>
@@ -14740,7 +14740,7 @@
         <p:spPr>
           <a:xfrm>
             <a:off x="559800" y="446040"/>
-            <a:ext cx="4282920" cy="682920"/>
+            <a:ext cx="4282560" cy="682560"/>
           </a:xfrm>
           <a:prstGeom prst="rect">
             <a:avLst/>
@@ -14792,7 +14792,7 @@
         <p:spPr>
           <a:xfrm>
             <a:off x="5097600" y="360"/>
-            <a:ext cx="4379040" cy="5143320"/>
+            <a:ext cx="4378680" cy="5142960"/>
           </a:xfrm>
           <a:prstGeom prst="roundRect">
             <a:avLst>
@@ -14857,8 +14857,8 @@
         </p:nvSpPr>
         <p:spPr>
           <a:xfrm rot="2744400">
-            <a:off x="-280080" y="-25560"/>
-            <a:ext cx="703800" cy="703440"/>
+            <a:off x="-279720" y="-25560"/>
+            <a:ext cx="703440" cy="703080"/>
           </a:xfrm>
           <a:prstGeom prst="roundRect">
             <a:avLst>
@@ -14895,8 +14895,8 @@
         </p:nvSpPr>
         <p:spPr>
           <a:xfrm rot="2625600">
-            <a:off x="4861080" y="4146480"/>
-            <a:ext cx="467640" cy="467640"/>
+            <a:off x="4861080" y="4146120"/>
+            <a:ext cx="467280" cy="467280"/>
           </a:xfrm>
           <a:prstGeom prst="roundRect">
             <a:avLst>
@@ -14970,8 +14970,8 @@
         </p:nvSpPr>
         <p:spPr>
           <a:xfrm rot="2744400">
-            <a:off x="-349200" y="4539600"/>
-            <a:ext cx="703800" cy="703440"/>
+            <a:off x="-348840" y="4539240"/>
+            <a:ext cx="703440" cy="703080"/>
           </a:xfrm>
           <a:prstGeom prst="roundRect">
             <a:avLst>
@@ -15008,8 +15008,8 @@
         </p:nvSpPr>
         <p:spPr>
           <a:xfrm rot="19228200">
-            <a:off x="5845680" y="-2265840"/>
-            <a:ext cx="4854600" cy="7725600"/>
+            <a:off x="5845680" y="-2265480"/>
+            <a:ext cx="4854240" cy="7725240"/>
           </a:xfrm>
           <a:prstGeom prst="roundRect">
             <a:avLst>
@@ -15047,9 +15047,9 @@
         <p:grpSpPr>
           <a:xfrm>
             <a:off x="4571640" y="828000"/>
-            <a:ext cx="4467600" cy="3563640"/>
+            <a:ext cx="4467240" cy="3563280"/>
             <a:chOff x="4571640" y="828000"/>
-            <a:chExt cx="4467600" cy="3563640"/>
+            <a:chExt cx="4467240" cy="3563280"/>
           </a:xfrm>
         </p:grpSpPr>
         <p:pic>
@@ -15065,7 +15065,7 @@
           <p:spPr>
             <a:xfrm>
               <a:off x="4571640" y="828000"/>
-              <a:ext cx="4467600" cy="3563640"/>
+              <a:ext cx="4467240" cy="3563280"/>
             </a:xfrm>
             <a:prstGeom prst="rect">
               <a:avLst/>
@@ -15083,8 +15083,8 @@
           </p:nvSpPr>
           <p:spPr>
             <a:xfrm rot="16200000">
-              <a:off x="5962680" y="1159560"/>
-              <a:ext cx="1736640" cy="2770560"/>
+              <a:off x="5962680" y="1159920"/>
+              <a:ext cx="1736280" cy="2770200"/>
             </a:xfrm>
             <a:prstGeom prst="roundRect">
               <a:avLst>
@@ -15151,7 +15151,7 @@
         <p:spPr>
           <a:xfrm>
             <a:off x="586440" y="1246680"/>
-            <a:ext cx="4003560" cy="3599280"/>
+            <a:ext cx="4003200" cy="3598920"/>
           </a:xfrm>
           <a:prstGeom prst="rect">
             <a:avLst/>
@@ -15203,7 +15203,7 @@
         <p:spPr>
           <a:xfrm>
             <a:off x="5446080" y="1672200"/>
-            <a:ext cx="2779560" cy="1736640"/>
+            <a:ext cx="2779200" cy="1736280"/>
           </a:xfrm>
           <a:prstGeom prst="rect">
             <a:avLst/>
@@ -15255,7 +15255,7 @@
         <p:spPr>
           <a:xfrm>
             <a:off x="586440" y="453960"/>
-            <a:ext cx="3696120" cy="854640"/>
+            <a:ext cx="3695760" cy="854280"/>
           </a:xfrm>
           <a:prstGeom prst="rect">
             <a:avLst/>
@@ -15344,7 +15344,7 @@
         <p:spPr>
           <a:xfrm>
             <a:off x="4222080" y="1246680"/>
-            <a:ext cx="4114440" cy="3599280"/>
+            <a:ext cx="4114080" cy="3598920"/>
           </a:xfrm>
           <a:prstGeom prst="rect">
             <a:avLst/>
@@ -15395,8 +15395,8 @@
         </p:nvSpPr>
         <p:spPr>
           <a:xfrm rot="16200000">
-            <a:off x="-2181600" y="1734120"/>
-            <a:ext cx="5143320" cy="1683360"/>
+            <a:off x="-2181600" y="1734480"/>
+            <a:ext cx="5142960" cy="1683000"/>
           </a:xfrm>
           <a:prstGeom prst="roundRect">
             <a:avLst>
@@ -15433,8 +15433,8 @@
         </p:nvSpPr>
         <p:spPr>
           <a:xfrm rot="2745000">
-            <a:off x="8575200" y="103320"/>
-            <a:ext cx="1131840" cy="1131480"/>
+            <a:off x="8575200" y="102960"/>
+            <a:ext cx="1131480" cy="1131120"/>
           </a:xfrm>
           <a:prstGeom prst="roundRect">
             <a:avLst>
@@ -15471,8 +15471,8 @@
         </p:nvSpPr>
         <p:spPr>
           <a:xfrm rot="16200000">
-            <a:off x="614880" y="919440"/>
-            <a:ext cx="3231360" cy="3313080"/>
+            <a:off x="614880" y="919800"/>
+            <a:ext cx="3231000" cy="3312720"/>
           </a:xfrm>
           <a:prstGeom prst="roundRect">
             <a:avLst>
@@ -15538,7 +15538,7 @@
         <p:spPr>
           <a:xfrm>
             <a:off x="4214160" y="456120"/>
-            <a:ext cx="4111200" cy="854640"/>
+            <a:ext cx="4110840" cy="854280"/>
           </a:xfrm>
           <a:prstGeom prst="rect">
             <a:avLst/>
@@ -15626,8 +15626,8 @@
         </p:nvSpPr>
         <p:spPr>
           <a:xfrm rot="2744400">
-            <a:off x="-349200" y="4539600"/>
-            <a:ext cx="703800" cy="703440"/>
+            <a:off x="-348840" y="4539240"/>
+            <a:ext cx="703440" cy="703080"/>
           </a:xfrm>
           <a:prstGeom prst="roundRect">
             <a:avLst>
@@ -15664,8 +15664,8 @@
         </p:nvSpPr>
         <p:spPr>
           <a:xfrm rot="19228200">
-            <a:off x="5845680" y="-2265840"/>
-            <a:ext cx="4854600" cy="7725600"/>
+            <a:off x="5845680" y="-2265480"/>
+            <a:ext cx="4854240" cy="7725240"/>
           </a:xfrm>
           <a:prstGeom prst="roundRect">
             <a:avLst>
@@ -15703,9 +15703,9 @@
         <p:grpSpPr>
           <a:xfrm>
             <a:off x="4571640" y="828000"/>
-            <a:ext cx="4467600" cy="3563640"/>
+            <a:ext cx="4467240" cy="3563280"/>
             <a:chOff x="4571640" y="828000"/>
-            <a:chExt cx="4467600" cy="3563640"/>
+            <a:chExt cx="4467240" cy="3563280"/>
           </a:xfrm>
         </p:grpSpPr>
         <p:pic>
@@ -15721,7 +15721,7 @@
           <p:spPr>
             <a:xfrm>
               <a:off x="4571640" y="828000"/>
-              <a:ext cx="4467600" cy="3563640"/>
+              <a:ext cx="4467240" cy="3563280"/>
             </a:xfrm>
             <a:prstGeom prst="rect">
               <a:avLst/>
@@ -15739,8 +15739,8 @@
           </p:nvSpPr>
           <p:spPr>
             <a:xfrm rot="16200000">
-              <a:off x="5962680" y="1159560"/>
-              <a:ext cx="1736640" cy="2770560"/>
+              <a:off x="5962680" y="1159920"/>
+              <a:ext cx="1736280" cy="2770200"/>
             </a:xfrm>
             <a:prstGeom prst="roundRect">
               <a:avLst>
@@ -15807,7 +15807,7 @@
         <p:spPr>
           <a:xfrm>
             <a:off x="586440" y="1246680"/>
-            <a:ext cx="4003560" cy="3599280"/>
+            <a:ext cx="4003200" cy="3598920"/>
           </a:xfrm>
           <a:prstGeom prst="rect">
             <a:avLst/>
@@ -15859,7 +15859,7 @@
         <p:spPr>
           <a:xfrm>
             <a:off x="5446080" y="1672200"/>
-            <a:ext cx="2779560" cy="1736640"/>
+            <a:ext cx="2779200" cy="1736280"/>
           </a:xfrm>
           <a:prstGeom prst="rect">
             <a:avLst/>
@@ -15911,7 +15911,7 @@
         <p:spPr>
           <a:xfrm>
             <a:off x="586440" y="453960"/>
-            <a:ext cx="3696120" cy="854640"/>
+            <a:ext cx="3695760" cy="854280"/>
           </a:xfrm>
           <a:prstGeom prst="rect">
             <a:avLst/>
@@ -15999,8 +15999,8 @@
         </p:nvSpPr>
         <p:spPr>
           <a:xfrm rot="2744400">
-            <a:off x="-280080" y="-25560"/>
-            <a:ext cx="703800" cy="703440"/>
+            <a:off x="-279720" y="-25560"/>
+            <a:ext cx="703440" cy="703080"/>
           </a:xfrm>
           <a:prstGeom prst="roundRect">
             <a:avLst>
@@ -16038,7 +16038,7 @@
         <p:spPr>
           <a:xfrm rot="2332200">
             <a:off x="6009120" y="-319680"/>
-            <a:ext cx="4854960" cy="7725960"/>
+            <a:ext cx="4854600" cy="7725600"/>
           </a:xfrm>
           <a:prstGeom prst="roundRect">
             <a:avLst>
@@ -16076,9 +16076,9 @@
         <p:grpSpPr>
           <a:xfrm>
             <a:off x="4571640" y="828000"/>
-            <a:ext cx="4467600" cy="3563640"/>
+            <a:ext cx="4467240" cy="3563280"/>
             <a:chOff x="4571640" y="828000"/>
-            <a:chExt cx="4467600" cy="3563640"/>
+            <a:chExt cx="4467240" cy="3563280"/>
           </a:xfrm>
         </p:grpSpPr>
         <p:pic>
@@ -16094,7 +16094,7 @@
           <p:spPr>
             <a:xfrm>
               <a:off x="4571640" y="828000"/>
-              <a:ext cx="4467600" cy="3563640"/>
+              <a:ext cx="4467240" cy="3563280"/>
             </a:xfrm>
             <a:prstGeom prst="rect">
               <a:avLst/>
@@ -16112,8 +16112,8 @@
           </p:nvSpPr>
           <p:spPr>
             <a:xfrm rot="16200000">
-              <a:off x="5962680" y="1159560"/>
-              <a:ext cx="1736640" cy="2770560"/>
+              <a:off x="5962680" y="1159920"/>
+              <a:ext cx="1736280" cy="2770200"/>
             </a:xfrm>
             <a:prstGeom prst="roundRect">
               <a:avLst>
@@ -16180,7 +16180,7 @@
         <p:spPr>
           <a:xfrm>
             <a:off x="5446080" y="1672200"/>
-            <a:ext cx="2770200" cy="1736640"/>
+            <a:ext cx="2769840" cy="1736280"/>
           </a:xfrm>
           <a:prstGeom prst="rect">
             <a:avLst/>
@@ -16232,7 +16232,7 @@
         <p:spPr>
           <a:xfrm>
             <a:off x="586440" y="1246680"/>
-            <a:ext cx="4003560" cy="3599280"/>
+            <a:ext cx="4003200" cy="3598920"/>
           </a:xfrm>
           <a:prstGeom prst="rect">
             <a:avLst/>
@@ -16284,7 +16284,7 @@
         <p:spPr>
           <a:xfrm>
             <a:off x="586440" y="453960"/>
-            <a:ext cx="4763520" cy="854640"/>
+            <a:ext cx="4763160" cy="854280"/>
           </a:xfrm>
           <a:prstGeom prst="rect">
             <a:avLst/>
@@ -16372,8 +16372,8 @@
         </p:nvSpPr>
         <p:spPr>
           <a:xfrm rot="2745600">
-            <a:off x="8349840" y="-668160"/>
-            <a:ext cx="1497600" cy="1497600"/>
+            <a:off x="8349840" y="-667800"/>
+            <a:ext cx="1497240" cy="1497240"/>
           </a:xfrm>
           <a:prstGeom prst="roundRect">
             <a:avLst>
@@ -16411,7 +16411,7 @@
         <p:spPr>
           <a:xfrm rot="2745600">
             <a:off x="7634160" y="-322200"/>
-            <a:ext cx="806400" cy="806760"/>
+            <a:ext cx="806040" cy="806400"/>
           </a:xfrm>
           <a:prstGeom prst="roundRect">
             <a:avLst>
@@ -16450,7 +16450,7 @@
         <p:spPr>
           <a:xfrm>
             <a:off x="586440" y="899640"/>
-            <a:ext cx="7931160" cy="1536480"/>
+            <a:ext cx="7930800" cy="1536120"/>
           </a:xfrm>
           <a:prstGeom prst="rect">
             <a:avLst/>
@@ -16502,7 +16502,7 @@
         <p:spPr>
           <a:xfrm>
             <a:off x="608040" y="2545560"/>
-            <a:ext cx="3711600" cy="2255040"/>
+            <a:ext cx="3711240" cy="2254680"/>
           </a:xfrm>
           <a:prstGeom prst="rect">
             <a:avLst/>
@@ -16554,7 +16554,7 @@
         <p:spPr>
           <a:xfrm>
             <a:off x="4806360" y="2545560"/>
-            <a:ext cx="3711600" cy="2255040"/>
+            <a:ext cx="3711240" cy="2254680"/>
           </a:xfrm>
           <a:prstGeom prst="rect">
             <a:avLst/>
@@ -16606,7 +16606,7 @@
         <p:spPr>
           <a:xfrm>
             <a:off x="583200" y="450720"/>
-            <a:ext cx="7197480" cy="511560"/>
+            <a:ext cx="7197120" cy="511200"/>
           </a:xfrm>
           <a:prstGeom prst="rect">
             <a:avLst/>
@@ -16688,7 +16688,7 @@
         <p:spPr>
           <a:xfrm>
             <a:off x="586440" y="1246680"/>
-            <a:ext cx="4003560" cy="3599280"/>
+            <a:ext cx="4003200" cy="3598920"/>
           </a:xfrm>
           <a:prstGeom prst="rect">
             <a:avLst/>
@@ -16740,7 +16740,7 @@
         <p:spPr>
           <a:xfrm>
             <a:off x="559800" y="446040"/>
-            <a:ext cx="4282920" cy="682920"/>
+            <a:ext cx="4282560" cy="682560"/>
           </a:xfrm>
           <a:prstGeom prst="rect">
             <a:avLst/>
@@ -16792,7 +16792,7 @@
         <p:spPr>
           <a:xfrm>
             <a:off x="5097600" y="360"/>
-            <a:ext cx="4379040" cy="5143320"/>
+            <a:ext cx="4378680" cy="5142960"/>
           </a:xfrm>
           <a:prstGeom prst="roundRect">
             <a:avLst>
@@ -16857,8 +16857,8 @@
         </p:nvSpPr>
         <p:spPr>
           <a:xfrm rot="2744400">
-            <a:off x="-280080" y="-25560"/>
-            <a:ext cx="703800" cy="703440"/>
+            <a:off x="-279720" y="-25560"/>
+            <a:ext cx="703440" cy="703080"/>
           </a:xfrm>
           <a:prstGeom prst="roundRect">
             <a:avLst>
@@ -16895,8 +16895,8 @@
         </p:nvSpPr>
         <p:spPr>
           <a:xfrm rot="2625600">
-            <a:off x="4861080" y="4146480"/>
-            <a:ext cx="467640" cy="467640"/>
+            <a:off x="4861080" y="4146120"/>
+            <a:ext cx="467280" cy="467280"/>
           </a:xfrm>
           <a:prstGeom prst="roundRect">
             <a:avLst>
@@ -16970,8 +16970,8 @@
         </p:nvSpPr>
         <p:spPr>
           <a:xfrm rot="2744400">
-            <a:off x="-349200" y="4539600"/>
-            <a:ext cx="703800" cy="703440"/>
+            <a:off x="-348840" y="4539240"/>
+            <a:ext cx="703440" cy="703080"/>
           </a:xfrm>
           <a:prstGeom prst="roundRect">
             <a:avLst>
@@ -17008,8 +17008,8 @@
         </p:nvSpPr>
         <p:spPr>
           <a:xfrm rot="19228200">
-            <a:off x="5845680" y="-2265840"/>
-            <a:ext cx="4854600" cy="7725600"/>
+            <a:off x="5845680" y="-2265480"/>
+            <a:ext cx="4854240" cy="7725240"/>
           </a:xfrm>
           <a:prstGeom prst="roundRect">
             <a:avLst>
@@ -17047,9 +17047,9 @@
         <p:grpSpPr>
           <a:xfrm>
             <a:off x="4571640" y="828000"/>
-            <a:ext cx="4467600" cy="3563640"/>
+            <a:ext cx="4467240" cy="3563280"/>
             <a:chOff x="4571640" y="828000"/>
-            <a:chExt cx="4467600" cy="3563640"/>
+            <a:chExt cx="4467240" cy="3563280"/>
           </a:xfrm>
         </p:grpSpPr>
         <p:pic>
@@ -17065,7 +17065,7 @@
           <p:spPr>
             <a:xfrm>
               <a:off x="4571640" y="828000"/>
-              <a:ext cx="4467600" cy="3563640"/>
+              <a:ext cx="4467240" cy="3563280"/>
             </a:xfrm>
             <a:prstGeom prst="rect">
               <a:avLst/>
@@ -17083,8 +17083,8 @@
           </p:nvSpPr>
           <p:spPr>
             <a:xfrm rot="16200000">
-              <a:off x="5962680" y="1159560"/>
-              <a:ext cx="1736640" cy="2770560"/>
+              <a:off x="5962680" y="1159920"/>
+              <a:ext cx="1736280" cy="2770200"/>
             </a:xfrm>
             <a:prstGeom prst="roundRect">
               <a:avLst>
@@ -17151,7 +17151,7 @@
         <p:spPr>
           <a:xfrm>
             <a:off x="586440" y="1246680"/>
-            <a:ext cx="4003560" cy="3599280"/>
+            <a:ext cx="4003200" cy="3598920"/>
           </a:xfrm>
           <a:prstGeom prst="rect">
             <a:avLst/>
@@ -17203,7 +17203,7 @@
         <p:spPr>
           <a:xfrm>
             <a:off x="5446080" y="1672200"/>
-            <a:ext cx="2779560" cy="1736640"/>
+            <a:ext cx="2779200" cy="1736280"/>
           </a:xfrm>
           <a:prstGeom prst="rect">
             <a:avLst/>
@@ -17255,7 +17255,7 @@
         <p:spPr>
           <a:xfrm>
             <a:off x="586440" y="453960"/>
-            <a:ext cx="3696120" cy="854640"/>
+            <a:ext cx="3695760" cy="854280"/>
           </a:xfrm>
           <a:prstGeom prst="rect">
             <a:avLst/>
@@ -17344,7 +17344,7 @@
         <p:spPr>
           <a:xfrm>
             <a:off x="4222080" y="1246680"/>
-            <a:ext cx="4114440" cy="3599280"/>
+            <a:ext cx="4114080" cy="3598920"/>
           </a:xfrm>
           <a:prstGeom prst="rect">
             <a:avLst/>
@@ -17395,8 +17395,8 @@
         </p:nvSpPr>
         <p:spPr>
           <a:xfrm rot="16200000">
-            <a:off x="-2181600" y="1734120"/>
-            <a:ext cx="5143320" cy="1683360"/>
+            <a:off x="-2181600" y="1734480"/>
+            <a:ext cx="5142960" cy="1683000"/>
           </a:xfrm>
           <a:prstGeom prst="roundRect">
             <a:avLst>
@@ -17433,8 +17433,8 @@
         </p:nvSpPr>
         <p:spPr>
           <a:xfrm rot="2745000">
-            <a:off x="8575200" y="103320"/>
-            <a:ext cx="1131840" cy="1131480"/>
+            <a:off x="8575200" y="102960"/>
+            <a:ext cx="1131480" cy="1131120"/>
           </a:xfrm>
           <a:prstGeom prst="roundRect">
             <a:avLst>
@@ -17471,8 +17471,8 @@
         </p:nvSpPr>
         <p:spPr>
           <a:xfrm rot="16200000">
-            <a:off x="614880" y="919440"/>
-            <a:ext cx="3231360" cy="3313080"/>
+            <a:off x="614880" y="919800"/>
+            <a:ext cx="3231000" cy="3312720"/>
           </a:xfrm>
           <a:prstGeom prst="roundRect">
             <a:avLst>
@@ -17538,7 +17538,7 @@
         <p:spPr>
           <a:xfrm>
             <a:off x="4214160" y="456120"/>
-            <a:ext cx="4111200" cy="854640"/>
+            <a:ext cx="4110840" cy="854280"/>
           </a:xfrm>
           <a:prstGeom prst="rect">
             <a:avLst/>
@@ -17626,8 +17626,8 @@
         </p:nvSpPr>
         <p:spPr>
           <a:xfrm rot="2744400">
-            <a:off x="-280080" y="-25560"/>
-            <a:ext cx="703800" cy="703440"/>
+            <a:off x="-279720" y="-25560"/>
+            <a:ext cx="703440" cy="703080"/>
           </a:xfrm>
           <a:prstGeom prst="roundRect">
             <a:avLst>
@@ -17665,7 +17665,7 @@
         <p:spPr>
           <a:xfrm rot="2332200">
             <a:off x="6009120" y="-319680"/>
-            <a:ext cx="4854960" cy="7725960"/>
+            <a:ext cx="4854600" cy="7725600"/>
           </a:xfrm>
           <a:prstGeom prst="roundRect">
             <a:avLst>
@@ -17703,9 +17703,9 @@
         <p:grpSpPr>
           <a:xfrm>
             <a:off x="4571640" y="828000"/>
-            <a:ext cx="4467600" cy="3563640"/>
+            <a:ext cx="4467240" cy="3563280"/>
             <a:chOff x="4571640" y="828000"/>
-            <a:chExt cx="4467600" cy="3563640"/>
+            <a:chExt cx="4467240" cy="3563280"/>
           </a:xfrm>
         </p:grpSpPr>
         <p:pic>
@@ -17721,7 +17721,7 @@
           <p:spPr>
             <a:xfrm>
               <a:off x="4571640" y="828000"/>
-              <a:ext cx="4467600" cy="3563640"/>
+              <a:ext cx="4467240" cy="3563280"/>
             </a:xfrm>
             <a:prstGeom prst="rect">
               <a:avLst/>
@@ -17739,8 +17739,8 @@
           </p:nvSpPr>
           <p:spPr>
             <a:xfrm rot="16200000">
-              <a:off x="5962680" y="1159560"/>
-              <a:ext cx="1736640" cy="2770560"/>
+              <a:off x="5962680" y="1159920"/>
+              <a:ext cx="1736280" cy="2770200"/>
             </a:xfrm>
             <a:prstGeom prst="roundRect">
               <a:avLst>
@@ -17807,7 +17807,7 @@
         <p:spPr>
           <a:xfrm>
             <a:off x="5446080" y="1672200"/>
-            <a:ext cx="2770200" cy="1736640"/>
+            <a:ext cx="2769840" cy="1736280"/>
           </a:xfrm>
           <a:prstGeom prst="rect">
             <a:avLst/>
@@ -17859,7 +17859,7 @@
         <p:spPr>
           <a:xfrm>
             <a:off x="586440" y="1246680"/>
-            <a:ext cx="4003560" cy="3599280"/>
+            <a:ext cx="4003200" cy="3598920"/>
           </a:xfrm>
           <a:prstGeom prst="rect">
             <a:avLst/>
@@ -17911,7 +17911,7 @@
         <p:spPr>
           <a:xfrm>
             <a:off x="586440" y="453960"/>
-            <a:ext cx="4763520" cy="854640"/>
+            <a:ext cx="4763160" cy="854280"/>
           </a:xfrm>
           <a:prstGeom prst="rect">
             <a:avLst/>
@@ -17999,8 +17999,8 @@
         </p:nvSpPr>
         <p:spPr>
           <a:xfrm rot="2745600">
-            <a:off x="8349840" y="-668160"/>
-            <a:ext cx="1497600" cy="1497600"/>
+            <a:off x="8349840" y="-667800"/>
+            <a:ext cx="1497240" cy="1497240"/>
           </a:xfrm>
           <a:prstGeom prst="roundRect">
             <a:avLst>
@@ -18038,7 +18038,7 @@
         <p:spPr>
           <a:xfrm rot="2745600">
             <a:off x="7634160" y="-322200"/>
-            <a:ext cx="806400" cy="806760"/>
+            <a:ext cx="806040" cy="806400"/>
           </a:xfrm>
           <a:prstGeom prst="roundRect">
             <a:avLst>
@@ -18077,7 +18077,7 @@
         <p:spPr>
           <a:xfrm>
             <a:off x="586440" y="899640"/>
-            <a:ext cx="7931160" cy="1536480"/>
+            <a:ext cx="7930800" cy="1536120"/>
           </a:xfrm>
           <a:prstGeom prst="rect">
             <a:avLst/>
@@ -18129,7 +18129,7 @@
         <p:spPr>
           <a:xfrm>
             <a:off x="608040" y="2545560"/>
-            <a:ext cx="3711600" cy="2255040"/>
+            <a:ext cx="3711240" cy="2254680"/>
           </a:xfrm>
           <a:prstGeom prst="rect">
             <a:avLst/>
@@ -18181,7 +18181,7 @@
         <p:spPr>
           <a:xfrm>
             <a:off x="4806360" y="2545560"/>
-            <a:ext cx="3711600" cy="2255040"/>
+            <a:ext cx="3711240" cy="2254680"/>
           </a:xfrm>
           <a:prstGeom prst="rect">
             <a:avLst/>
@@ -18233,7 +18233,7 @@
         <p:spPr>
           <a:xfrm>
             <a:off x="583200" y="450720"/>
-            <a:ext cx="7197480" cy="511560"/>
+            <a:ext cx="7197120" cy="511200"/>
           </a:xfrm>
           <a:prstGeom prst="rect">
             <a:avLst/>
@@ -18315,7 +18315,7 @@
         <p:spPr>
           <a:xfrm>
             <a:off x="586440" y="1246680"/>
-            <a:ext cx="4003560" cy="3599280"/>
+            <a:ext cx="4003200" cy="3598920"/>
           </a:xfrm>
           <a:prstGeom prst="rect">
             <a:avLst/>
@@ -18367,7 +18367,7 @@
         <p:spPr>
           <a:xfrm>
             <a:off x="559800" y="446040"/>
-            <a:ext cx="4282920" cy="682920"/>
+            <a:ext cx="4282560" cy="682560"/>
           </a:xfrm>
           <a:prstGeom prst="rect">
             <a:avLst/>
@@ -18419,7 +18419,7 @@
         <p:spPr>
           <a:xfrm>
             <a:off x="5097600" y="360"/>
-            <a:ext cx="4379040" cy="5143320"/>
+            <a:ext cx="4378680" cy="5142960"/>
           </a:xfrm>
           <a:prstGeom prst="roundRect">
             <a:avLst>
@@ -18484,8 +18484,8 @@
         </p:nvSpPr>
         <p:spPr>
           <a:xfrm rot="2744400">
-            <a:off x="-280080" y="-25560"/>
-            <a:ext cx="703800" cy="703440"/>
+            <a:off x="-279720" y="-25560"/>
+            <a:ext cx="703440" cy="703080"/>
           </a:xfrm>
           <a:prstGeom prst="roundRect">
             <a:avLst>
@@ -18522,8 +18522,8 @@
         </p:nvSpPr>
         <p:spPr>
           <a:xfrm rot="2625600">
-            <a:off x="4861080" y="4146480"/>
-            <a:ext cx="467640" cy="467640"/>
+            <a:off x="4861080" y="4146120"/>
+            <a:ext cx="467280" cy="467280"/>
           </a:xfrm>
           <a:prstGeom prst="roundRect">
             <a:avLst>
@@ -18597,8 +18597,8 @@
         </p:nvSpPr>
         <p:spPr>
           <a:xfrm rot="2744400">
-            <a:off x="-280080" y="-25560"/>
-            <a:ext cx="703800" cy="703440"/>
+            <a:off x="-279720" y="-25560"/>
+            <a:ext cx="703440" cy="703080"/>
           </a:xfrm>
           <a:prstGeom prst="roundRect">
             <a:avLst>
@@ -18636,7 +18636,7 @@
         <p:spPr>
           <a:xfrm>
             <a:off x="569160" y="1888920"/>
-            <a:ext cx="4820400" cy="820800"/>
+            <a:ext cx="4820040" cy="820800"/>
           </a:xfrm>
           <a:prstGeom prst="rect">
             <a:avLst/>
@@ -18687,8 +18687,8 @@
         </p:nvSpPr>
         <p:spPr>
           <a:xfrm rot="18679800">
-            <a:off x="6782040" y="457920"/>
-            <a:ext cx="6249960" cy="4665600"/>
+            <a:off x="6781680" y="457920"/>
+            <a:ext cx="6249600" cy="4665240"/>
           </a:xfrm>
           <a:prstGeom prst="roundRect">
             <a:avLst>
@@ -18725,8 +18725,8 @@
         </p:nvSpPr>
         <p:spPr>
           <a:xfrm rot="2625600">
-            <a:off x="6024960" y="4332600"/>
-            <a:ext cx="467640" cy="467640"/>
+            <a:off x="6024960" y="4332240"/>
+            <a:ext cx="467280" cy="467280"/>
           </a:xfrm>
           <a:prstGeom prst="roundRect">
             <a:avLst>
@@ -18764,7 +18764,7 @@
         <p:spPr>
           <a:xfrm>
             <a:off x="1640880" y="4592880"/>
-            <a:ext cx="2994840" cy="265680"/>
+            <a:ext cx="2994480" cy="265320"/>
           </a:xfrm>
           <a:prstGeom prst="rect">
             <a:avLst/>
@@ -18826,7 +18826,7 @@
         <p:spPr>
           <a:xfrm>
             <a:off x="867240" y="3590280"/>
-            <a:ext cx="252720" cy="253080"/>
+            <a:ext cx="252360" cy="252720"/>
           </a:xfrm>
           <a:prstGeom prst="ellipse">
             <a:avLst/>
@@ -18861,7 +18861,7 @@
         <p:spPr>
           <a:xfrm>
             <a:off x="351000" y="3793320"/>
-            <a:ext cx="1285200" cy="1130760"/>
+            <a:ext cx="1284840" cy="1130400"/>
           </a:xfrm>
           <a:prstGeom prst="rect">
             <a:avLst/>
@@ -18917,7 +18917,7 @@
         <p:spPr>
           <a:xfrm>
             <a:off x="4222080" y="1246680"/>
-            <a:ext cx="4114440" cy="3599280"/>
+            <a:ext cx="4114080" cy="3598920"/>
           </a:xfrm>
           <a:prstGeom prst="rect">
             <a:avLst/>
@@ -18968,8 +18968,8 @@
         </p:nvSpPr>
         <p:spPr>
           <a:xfrm rot="16200000">
-            <a:off x="-2181600" y="1734120"/>
-            <a:ext cx="5143320" cy="1683360"/>
+            <a:off x="-2181600" y="1734480"/>
+            <a:ext cx="5142960" cy="1683000"/>
           </a:xfrm>
           <a:prstGeom prst="roundRect">
             <a:avLst>
@@ -19006,8 +19006,8 @@
         </p:nvSpPr>
         <p:spPr>
           <a:xfrm rot="2745000">
-            <a:off x="8575200" y="103320"/>
-            <a:ext cx="1131840" cy="1131480"/>
+            <a:off x="8575200" y="102960"/>
+            <a:ext cx="1131480" cy="1131120"/>
           </a:xfrm>
           <a:prstGeom prst="roundRect">
             <a:avLst>
@@ -19044,8 +19044,8 @@
         </p:nvSpPr>
         <p:spPr>
           <a:xfrm rot="16200000">
-            <a:off x="614880" y="919440"/>
-            <a:ext cx="3231360" cy="3313080"/>
+            <a:off x="614880" y="919800"/>
+            <a:ext cx="3231000" cy="3312720"/>
           </a:xfrm>
           <a:prstGeom prst="roundRect">
             <a:avLst>
@@ -19111,7 +19111,7 @@
         <p:spPr>
           <a:xfrm>
             <a:off x="4214160" y="456120"/>
-            <a:ext cx="4111200" cy="854640"/>
+            <a:ext cx="4110840" cy="854280"/>
           </a:xfrm>
           <a:prstGeom prst="rect">
             <a:avLst/>
@@ -19199,8 +19199,8 @@
         </p:nvSpPr>
         <p:spPr>
           <a:xfrm rot="2744400">
-            <a:off x="-280080" y="-25560"/>
-            <a:ext cx="703800" cy="703440"/>
+            <a:off x="-279720" y="-25560"/>
+            <a:ext cx="703440" cy="703080"/>
           </a:xfrm>
           <a:prstGeom prst="roundRect">
             <a:avLst>
@@ -19238,7 +19238,7 @@
         <p:spPr>
           <a:xfrm rot="2332200">
             <a:off x="6009120" y="-319680"/>
-            <a:ext cx="4854960" cy="7725960"/>
+            <a:ext cx="4854600" cy="7725600"/>
           </a:xfrm>
           <a:prstGeom prst="roundRect">
             <a:avLst>
@@ -19276,9 +19276,9 @@
         <p:grpSpPr>
           <a:xfrm>
             <a:off x="4571640" y="828000"/>
-            <a:ext cx="4467600" cy="3563640"/>
+            <a:ext cx="4467240" cy="3563280"/>
             <a:chOff x="4571640" y="828000"/>
-            <a:chExt cx="4467600" cy="3563640"/>
+            <a:chExt cx="4467240" cy="3563280"/>
           </a:xfrm>
         </p:grpSpPr>
         <p:pic>
@@ -19294,7 +19294,7 @@
           <p:spPr>
             <a:xfrm>
               <a:off x="4571640" y="828000"/>
-              <a:ext cx="4467600" cy="3563640"/>
+              <a:ext cx="4467240" cy="3563280"/>
             </a:xfrm>
             <a:prstGeom prst="rect">
               <a:avLst/>
@@ -19312,8 +19312,8 @@
           </p:nvSpPr>
           <p:spPr>
             <a:xfrm rot="16200000">
-              <a:off x="5962680" y="1159560"/>
-              <a:ext cx="1736640" cy="2770560"/>
+              <a:off x="5962680" y="1159920"/>
+              <a:ext cx="1736280" cy="2770200"/>
             </a:xfrm>
             <a:prstGeom prst="roundRect">
               <a:avLst>
@@ -19380,7 +19380,7 @@
         <p:spPr>
           <a:xfrm>
             <a:off x="5446080" y="1672200"/>
-            <a:ext cx="2770200" cy="1736640"/>
+            <a:ext cx="2769840" cy="1736280"/>
           </a:xfrm>
           <a:prstGeom prst="rect">
             <a:avLst/>
@@ -19432,7 +19432,7 @@
         <p:spPr>
           <a:xfrm>
             <a:off x="586440" y="1246680"/>
-            <a:ext cx="4003560" cy="3599280"/>
+            <a:ext cx="4003200" cy="3598920"/>
           </a:xfrm>
           <a:prstGeom prst="rect">
             <a:avLst/>
@@ -19484,7 +19484,7 @@
         <p:spPr>
           <a:xfrm>
             <a:off x="586440" y="453960"/>
-            <a:ext cx="4763520" cy="854640"/>
+            <a:ext cx="4763160" cy="854280"/>
           </a:xfrm>
           <a:prstGeom prst="rect">
             <a:avLst/>
@@ -19572,8 +19572,8 @@
         </p:nvSpPr>
         <p:spPr>
           <a:xfrm rot="2745600">
-            <a:off x="8349840" y="-668160"/>
-            <a:ext cx="1497600" cy="1497600"/>
+            <a:off x="8349840" y="-667800"/>
+            <a:ext cx="1497240" cy="1497240"/>
           </a:xfrm>
           <a:prstGeom prst="roundRect">
             <a:avLst>
@@ -19611,7 +19611,7 @@
         <p:spPr>
           <a:xfrm rot="2745600">
             <a:off x="7634160" y="-322200"/>
-            <a:ext cx="806400" cy="806760"/>
+            <a:ext cx="806040" cy="806400"/>
           </a:xfrm>
           <a:prstGeom prst="roundRect">
             <a:avLst>
@@ -19650,7 +19650,7 @@
         <p:spPr>
           <a:xfrm>
             <a:off x="586440" y="899640"/>
-            <a:ext cx="7931160" cy="1536480"/>
+            <a:ext cx="7930800" cy="1536120"/>
           </a:xfrm>
           <a:prstGeom prst="rect">
             <a:avLst/>
@@ -19702,7 +19702,7 @@
         <p:spPr>
           <a:xfrm>
             <a:off x="608040" y="2545560"/>
-            <a:ext cx="3711600" cy="2255040"/>
+            <a:ext cx="3711240" cy="2254680"/>
           </a:xfrm>
           <a:prstGeom prst="rect">
             <a:avLst/>
@@ -19754,7 +19754,7 @@
         <p:spPr>
           <a:xfrm>
             <a:off x="4806360" y="2545560"/>
-            <a:ext cx="3711600" cy="2255040"/>
+            <a:ext cx="3711240" cy="2254680"/>
           </a:xfrm>
           <a:prstGeom prst="rect">
             <a:avLst/>
@@ -19806,7 +19806,7 @@
         <p:spPr>
           <a:xfrm>
             <a:off x="583200" y="450720"/>
-            <a:ext cx="7197480" cy="511560"/>
+            <a:ext cx="7197120" cy="511200"/>
           </a:xfrm>
           <a:prstGeom prst="rect">
             <a:avLst/>
@@ -19888,7 +19888,7 @@
         <p:spPr>
           <a:xfrm>
             <a:off x="586440" y="1246680"/>
-            <a:ext cx="4003560" cy="3599280"/>
+            <a:ext cx="4003200" cy="3598920"/>
           </a:xfrm>
           <a:prstGeom prst="rect">
             <a:avLst/>
@@ -19940,7 +19940,7 @@
         <p:spPr>
           <a:xfrm>
             <a:off x="559800" y="446040"/>
-            <a:ext cx="4282920" cy="682920"/>
+            <a:ext cx="4282560" cy="682560"/>
           </a:xfrm>
           <a:prstGeom prst="rect">
             <a:avLst/>
@@ -19992,7 +19992,7 @@
         <p:spPr>
           <a:xfrm>
             <a:off x="5097600" y="360"/>
-            <a:ext cx="4379040" cy="5143320"/>
+            <a:ext cx="4378680" cy="5142960"/>
           </a:xfrm>
           <a:prstGeom prst="roundRect">
             <a:avLst>
@@ -20057,8 +20057,8 @@
         </p:nvSpPr>
         <p:spPr>
           <a:xfrm rot="2744400">
-            <a:off x="-280080" y="-25560"/>
-            <a:ext cx="703800" cy="703440"/>
+            <a:off x="-279720" y="-25560"/>
+            <a:ext cx="703440" cy="703080"/>
           </a:xfrm>
           <a:prstGeom prst="roundRect">
             <a:avLst>
@@ -20095,8 +20095,8 @@
         </p:nvSpPr>
         <p:spPr>
           <a:xfrm rot="2625600">
-            <a:off x="4861080" y="4146480"/>
-            <a:ext cx="467640" cy="467640"/>
+            <a:off x="4861080" y="4146120"/>
+            <a:ext cx="467280" cy="467280"/>
           </a:xfrm>
           <a:prstGeom prst="roundRect">
             <a:avLst>
@@ -20170,8 +20170,8 @@
         </p:nvSpPr>
         <p:spPr>
           <a:xfrm rot="2744400">
-            <a:off x="-349200" y="4539600"/>
-            <a:ext cx="703800" cy="703440"/>
+            <a:off x="-348840" y="4539240"/>
+            <a:ext cx="703440" cy="703080"/>
           </a:xfrm>
           <a:prstGeom prst="roundRect">
             <a:avLst>
@@ -20208,8 +20208,8 @@
         </p:nvSpPr>
         <p:spPr>
           <a:xfrm rot="19228200">
-            <a:off x="5845680" y="-2265840"/>
-            <a:ext cx="4854600" cy="7725600"/>
+            <a:off x="5845680" y="-2265480"/>
+            <a:ext cx="4854240" cy="7725240"/>
           </a:xfrm>
           <a:prstGeom prst="roundRect">
             <a:avLst>
@@ -20247,9 +20247,9 @@
         <p:grpSpPr>
           <a:xfrm>
             <a:off x="4571640" y="828000"/>
-            <a:ext cx="4467600" cy="3563640"/>
+            <a:ext cx="4467240" cy="3563280"/>
             <a:chOff x="4571640" y="828000"/>
-            <a:chExt cx="4467600" cy="3563640"/>
+            <a:chExt cx="4467240" cy="3563280"/>
           </a:xfrm>
         </p:grpSpPr>
         <p:pic>
@@ -20265,7 +20265,7 @@
           <p:spPr>
             <a:xfrm>
               <a:off x="4571640" y="828000"/>
-              <a:ext cx="4467600" cy="3563640"/>
+              <a:ext cx="4467240" cy="3563280"/>
             </a:xfrm>
             <a:prstGeom prst="rect">
               <a:avLst/>
@@ -20283,8 +20283,8 @@
           </p:nvSpPr>
           <p:spPr>
             <a:xfrm rot="16200000">
-              <a:off x="5962680" y="1159560"/>
-              <a:ext cx="1736640" cy="2770560"/>
+              <a:off x="5962680" y="1159920"/>
+              <a:ext cx="1736280" cy="2770200"/>
             </a:xfrm>
             <a:prstGeom prst="roundRect">
               <a:avLst>
@@ -20351,7 +20351,7 @@
         <p:spPr>
           <a:xfrm>
             <a:off x="586440" y="1246680"/>
-            <a:ext cx="4003560" cy="3599280"/>
+            <a:ext cx="4003200" cy="3598920"/>
           </a:xfrm>
           <a:prstGeom prst="rect">
             <a:avLst/>
@@ -20403,7 +20403,7 @@
         <p:spPr>
           <a:xfrm>
             <a:off x="5446080" y="1672200"/>
-            <a:ext cx="2779560" cy="1736640"/>
+            <a:ext cx="2779200" cy="1736280"/>
           </a:xfrm>
           <a:prstGeom prst="rect">
             <a:avLst/>
@@ -20455,7 +20455,7 @@
         <p:spPr>
           <a:xfrm>
             <a:off x="586440" y="453960"/>
-            <a:ext cx="3696120" cy="854640"/>
+            <a:ext cx="3695760" cy="854280"/>
           </a:xfrm>
           <a:prstGeom prst="rect">
             <a:avLst/>
@@ -20544,7 +20544,7 @@
         <p:spPr>
           <a:xfrm>
             <a:off x="4222080" y="1246680"/>
-            <a:ext cx="4114440" cy="3599280"/>
+            <a:ext cx="4114080" cy="3598920"/>
           </a:xfrm>
           <a:prstGeom prst="rect">
             <a:avLst/>
@@ -20595,8 +20595,8 @@
         </p:nvSpPr>
         <p:spPr>
           <a:xfrm rot="16200000">
-            <a:off x="-2181600" y="1734120"/>
-            <a:ext cx="5143320" cy="1683360"/>
+            <a:off x="-2181600" y="1734480"/>
+            <a:ext cx="5142960" cy="1683000"/>
           </a:xfrm>
           <a:prstGeom prst="roundRect">
             <a:avLst>
@@ -20633,8 +20633,8 @@
         </p:nvSpPr>
         <p:spPr>
           <a:xfrm rot="2745000">
-            <a:off x="8575200" y="103320"/>
-            <a:ext cx="1131840" cy="1131480"/>
+            <a:off x="8575200" y="102960"/>
+            <a:ext cx="1131480" cy="1131120"/>
           </a:xfrm>
           <a:prstGeom prst="roundRect">
             <a:avLst>
@@ -20671,8 +20671,8 @@
         </p:nvSpPr>
         <p:spPr>
           <a:xfrm rot="16200000">
-            <a:off x="614880" y="919440"/>
-            <a:ext cx="3231360" cy="3313080"/>
+            <a:off x="614880" y="919800"/>
+            <a:ext cx="3231000" cy="3312720"/>
           </a:xfrm>
           <a:prstGeom prst="roundRect">
             <a:avLst>
@@ -20738,7 +20738,7 @@
         <p:spPr>
           <a:xfrm>
             <a:off x="4214160" y="456120"/>
-            <a:ext cx="4111200" cy="854640"/>
+            <a:ext cx="4110840" cy="854280"/>
           </a:xfrm>
           <a:prstGeom prst="rect">
             <a:avLst/>
